--- a/Presentation - Android O.pptx
+++ b/Presentation - Android O.pptx
@@ -289,7 +289,7 @@
           <a:p>
             <a:fld id="{1CF5E627-4435-4E4B-A241-B784D5E98CA2}" type="datetimeFigureOut">
               <a:rPr lang="en-US" smtClean="0"/>
-              <a:t>8/20/2017</a:t>
+              <a:t>8/22/2017</a:t>
             </a:fld>
             <a:endParaRPr lang="en-US"/>
           </a:p>
@@ -487,7 +487,7 @@
           <a:p>
             <a:fld id="{1CF5E627-4435-4E4B-A241-B784D5E98CA2}" type="datetimeFigureOut">
               <a:rPr lang="en-US" smtClean="0"/>
-              <a:t>8/20/2017</a:t>
+              <a:t>8/22/2017</a:t>
             </a:fld>
             <a:endParaRPr lang="en-US"/>
           </a:p>
@@ -695,7 +695,7 @@
           <a:p>
             <a:fld id="{1CF5E627-4435-4E4B-A241-B784D5E98CA2}" type="datetimeFigureOut">
               <a:rPr lang="en-US" smtClean="0"/>
-              <a:t>8/20/2017</a:t>
+              <a:t>8/22/2017</a:t>
             </a:fld>
             <a:endParaRPr lang="en-US"/>
           </a:p>
@@ -893,7 +893,7 @@
           <a:p>
             <a:fld id="{1CF5E627-4435-4E4B-A241-B784D5E98CA2}" type="datetimeFigureOut">
               <a:rPr lang="en-US" smtClean="0"/>
-              <a:t>8/20/2017</a:t>
+              <a:t>8/22/2017</a:t>
             </a:fld>
             <a:endParaRPr lang="en-US"/>
           </a:p>
@@ -1168,7 +1168,7 @@
           <a:p>
             <a:fld id="{1CF5E627-4435-4E4B-A241-B784D5E98CA2}" type="datetimeFigureOut">
               <a:rPr lang="en-US" smtClean="0"/>
-              <a:t>8/20/2017</a:t>
+              <a:t>8/22/2017</a:t>
             </a:fld>
             <a:endParaRPr lang="en-US"/>
           </a:p>
@@ -1433,7 +1433,7 @@
           <a:p>
             <a:fld id="{1CF5E627-4435-4E4B-A241-B784D5E98CA2}" type="datetimeFigureOut">
               <a:rPr lang="en-US" smtClean="0"/>
-              <a:t>8/20/2017</a:t>
+              <a:t>8/22/2017</a:t>
             </a:fld>
             <a:endParaRPr lang="en-US"/>
           </a:p>
@@ -1845,7 +1845,7 @@
           <a:p>
             <a:fld id="{1CF5E627-4435-4E4B-A241-B784D5E98CA2}" type="datetimeFigureOut">
               <a:rPr lang="en-US" smtClean="0"/>
-              <a:t>8/20/2017</a:t>
+              <a:t>8/22/2017</a:t>
             </a:fld>
             <a:endParaRPr lang="en-US"/>
           </a:p>
@@ -1986,7 +1986,7 @@
           <a:p>
             <a:fld id="{1CF5E627-4435-4E4B-A241-B784D5E98CA2}" type="datetimeFigureOut">
               <a:rPr lang="en-US" smtClean="0"/>
-              <a:t>8/20/2017</a:t>
+              <a:t>8/22/2017</a:t>
             </a:fld>
             <a:endParaRPr lang="en-US"/>
           </a:p>
@@ -2099,7 +2099,7 @@
           <a:p>
             <a:fld id="{1CF5E627-4435-4E4B-A241-B784D5E98CA2}" type="datetimeFigureOut">
               <a:rPr lang="en-US" smtClean="0"/>
-              <a:t>8/20/2017</a:t>
+              <a:t>8/22/2017</a:t>
             </a:fld>
             <a:endParaRPr lang="en-US"/>
           </a:p>
@@ -2410,7 +2410,7 @@
           <a:p>
             <a:fld id="{1CF5E627-4435-4E4B-A241-B784D5E98CA2}" type="datetimeFigureOut">
               <a:rPr lang="en-US" smtClean="0"/>
-              <a:t>8/20/2017</a:t>
+              <a:t>8/22/2017</a:t>
             </a:fld>
             <a:endParaRPr lang="en-US"/>
           </a:p>
@@ -2698,7 +2698,7 @@
           <a:p>
             <a:fld id="{1CF5E627-4435-4E4B-A241-B784D5E98CA2}" type="datetimeFigureOut">
               <a:rPr lang="en-US" smtClean="0"/>
-              <a:t>8/20/2017</a:t>
+              <a:t>8/22/2017</a:t>
             </a:fld>
             <a:endParaRPr lang="en-US"/>
           </a:p>
@@ -2939,7 +2939,7 @@
           <a:p>
             <a:fld id="{1CF5E627-4435-4E4B-A241-B784D5E98CA2}" type="datetimeFigureOut">
               <a:rPr lang="en-US" smtClean="0"/>
-              <a:t>8/20/2017</a:t>
+              <a:t>8/22/2017</a:t>
             </a:fld>
             <a:endParaRPr lang="en-US"/>
           </a:p>
@@ -4385,9 +4385,14 @@
             <p:ph type="ctrTitle"/>
           </p:nvPr>
         </p:nvSpPr>
-        <p:spPr/>
-        <p:txBody>
-          <a:bodyPr/>
+        <p:spPr>
+          <a:xfrm>
+            <a:off x="1524000" y="1122363"/>
+            <a:ext cx="9144000" cy="1141003"/>
+          </a:xfrm>
+        </p:spPr>
+        <p:txBody>
+          <a:bodyPr anchor="t"/>
           <a:lstStyle/>
           <a:p>
             <a:r>
@@ -4397,6 +4402,39 @@
                 </a:solidFill>
               </a:rPr>
               <a:t>QUESTIONS?</a:t>
+            </a:r>
+          </a:p>
+        </p:txBody>
+      </p:sp>
+      <p:sp>
+        <p:nvSpPr>
+          <p:cNvPr id="2" name="Subtitle 1">
+            <a:extLst>
+              <a:ext uri="{FF2B5EF4-FFF2-40B4-BE49-F238E27FC236}">
+                <a16:creationId xmlns:a16="http://schemas.microsoft.com/office/drawing/2014/main" id="{492061A2-C4BB-4FB9-9495-EA1422205BC1}"/>
+              </a:ext>
+            </a:extLst>
+          </p:cNvPr>
+          <p:cNvSpPr>
+            <a:spLocks noGrp="1"/>
+          </p:cNvSpPr>
+          <p:nvPr>
+            <p:ph type="subTitle" idx="1"/>
+          </p:nvPr>
+        </p:nvSpPr>
+        <p:spPr>
+          <a:xfrm>
+            <a:off x="1524000" y="2263366"/>
+            <a:ext cx="9144000" cy="597529"/>
+          </a:xfrm>
+        </p:spPr>
+        <p:txBody>
+          <a:bodyPr/>
+          <a:lstStyle/>
+          <a:p>
+            <a:r>
+              <a:rPr lang="en-US" dirty="0"/>
+              <a:t>https://github.com/YoussefKeyrouz/Presentation-Samples-Android-O</a:t>
             </a:r>
           </a:p>
         </p:txBody>
@@ -4474,6 +4512,42 @@
           </a:p>
         </p:txBody>
       </p:sp>
+      <p:pic>
+        <p:nvPicPr>
+          <p:cNvPr id="5" name="Picture 4">
+            <a:extLst>
+              <a:ext uri="{FF2B5EF4-FFF2-40B4-BE49-F238E27FC236}">
+                <a16:creationId xmlns:a16="http://schemas.microsoft.com/office/drawing/2014/main" id="{48E062D7-E9CA-44FD-8A57-C6CFBF286D11}"/>
+              </a:ext>
+            </a:extLst>
+          </p:cNvPr>
+          <p:cNvPicPr>
+            <a:picLocks noChangeAspect="1"/>
+          </p:cNvPicPr>
+          <p:nvPr/>
+        </p:nvPicPr>
+        <p:blipFill>
+          <a:blip r:embed="rId3">
+            <a:extLst>
+              <a:ext uri="{28A0092B-C50C-407E-A947-70E740481C1C}">
+                <a14:useLocalDpi xmlns:a14="http://schemas.microsoft.com/office/drawing/2010/main" val="0"/>
+              </a:ext>
+            </a:extLst>
+          </a:blip>
+          <a:stretch>
+            <a:fillRect/>
+          </a:stretch>
+        </p:blipFill>
+        <p:spPr>
+          <a:xfrm>
+            <a:off x="4143375" y="2804968"/>
+            <a:ext cx="3905250" cy="3905250"/>
+          </a:xfrm>
+          <a:prstGeom prst="rect">
+            <a:avLst/>
+          </a:prstGeom>
+        </p:spPr>
+      </p:pic>
     </p:spTree>
     <p:extLst>
       <p:ext uri="{BB962C8B-B14F-4D97-AF65-F5344CB8AC3E}">

--- a/Presentation - Android O.pptx
+++ b/Presentation - Android O.pptx
@@ -3660,6 +3660,235 @@
   <p:clrMapOvr>
     <a:masterClrMapping/>
   </p:clrMapOvr>
+  <p:timing>
+    <p:tnLst>
+      <p:par>
+        <p:cTn id="1" dur="indefinite" restart="never" nodeType="tmRoot">
+          <p:childTnLst>
+            <p:seq concurrent="1" nextAc="seek">
+              <p:cTn id="2" dur="indefinite" nodeType="mainSeq">
+                <p:childTnLst>
+                  <p:par>
+                    <p:cTn id="3" fill="hold">
+                      <p:stCondLst>
+                        <p:cond delay="indefinite"/>
+                      </p:stCondLst>
+                      <p:childTnLst>
+                        <p:par>
+                          <p:cTn id="4" fill="hold">
+                            <p:stCondLst>
+                              <p:cond delay="0"/>
+                            </p:stCondLst>
+                            <p:childTnLst>
+                              <p:par>
+                                <p:cTn id="5" presetID="1" presetClass="entr" presetSubtype="0" fill="hold" grpId="0" nodeType="clickEffect">
+                                  <p:stCondLst>
+                                    <p:cond delay="0"/>
+                                  </p:stCondLst>
+                                  <p:childTnLst>
+                                    <p:set>
+                                      <p:cBhvr>
+                                        <p:cTn id="6" dur="1" fill="hold">
+                                          <p:stCondLst>
+                                            <p:cond delay="0"/>
+                                          </p:stCondLst>
+                                        </p:cTn>
+                                        <p:tgtEl>
+                                          <p:spTgt spid="3">
+                                            <p:txEl>
+                                              <p:pRg st="0" end="0"/>
+                                            </p:txEl>
+                                          </p:spTgt>
+                                        </p:tgtEl>
+                                        <p:attrNameLst>
+                                          <p:attrName>style.visibility</p:attrName>
+                                        </p:attrNameLst>
+                                      </p:cBhvr>
+                                      <p:to>
+                                        <p:strVal val="visible"/>
+                                      </p:to>
+                                    </p:set>
+                                  </p:childTnLst>
+                                </p:cTn>
+                              </p:par>
+                            </p:childTnLst>
+                          </p:cTn>
+                        </p:par>
+                      </p:childTnLst>
+                    </p:cTn>
+                  </p:par>
+                  <p:par>
+                    <p:cTn id="7" fill="hold">
+                      <p:stCondLst>
+                        <p:cond delay="indefinite"/>
+                      </p:stCondLst>
+                      <p:childTnLst>
+                        <p:par>
+                          <p:cTn id="8" fill="hold">
+                            <p:stCondLst>
+                              <p:cond delay="0"/>
+                            </p:stCondLst>
+                            <p:childTnLst>
+                              <p:par>
+                                <p:cTn id="9" presetID="1" presetClass="entr" presetSubtype="0" fill="hold" grpId="0" nodeType="clickEffect">
+                                  <p:stCondLst>
+                                    <p:cond delay="0"/>
+                                  </p:stCondLst>
+                                  <p:childTnLst>
+                                    <p:set>
+                                      <p:cBhvr>
+                                        <p:cTn id="10" dur="1" fill="hold">
+                                          <p:stCondLst>
+                                            <p:cond delay="0"/>
+                                          </p:stCondLst>
+                                        </p:cTn>
+                                        <p:tgtEl>
+                                          <p:spTgt spid="3">
+                                            <p:txEl>
+                                              <p:pRg st="2" end="2"/>
+                                            </p:txEl>
+                                          </p:spTgt>
+                                        </p:tgtEl>
+                                        <p:attrNameLst>
+                                          <p:attrName>style.visibility</p:attrName>
+                                        </p:attrNameLst>
+                                      </p:cBhvr>
+                                      <p:to>
+                                        <p:strVal val="visible"/>
+                                      </p:to>
+                                    </p:set>
+                                  </p:childTnLst>
+                                </p:cTn>
+                              </p:par>
+                            </p:childTnLst>
+                          </p:cTn>
+                        </p:par>
+                      </p:childTnLst>
+                    </p:cTn>
+                  </p:par>
+                  <p:par>
+                    <p:cTn id="11" fill="hold">
+                      <p:stCondLst>
+                        <p:cond delay="indefinite"/>
+                      </p:stCondLst>
+                      <p:childTnLst>
+                        <p:par>
+                          <p:cTn id="12" fill="hold">
+                            <p:stCondLst>
+                              <p:cond delay="0"/>
+                            </p:stCondLst>
+                            <p:childTnLst>
+                              <p:par>
+                                <p:cTn id="13" presetID="1" presetClass="entr" presetSubtype="0" fill="hold" grpId="0" nodeType="clickEffect">
+                                  <p:stCondLst>
+                                    <p:cond delay="0"/>
+                                  </p:stCondLst>
+                                  <p:childTnLst>
+                                    <p:set>
+                                      <p:cBhvr>
+                                        <p:cTn id="14" dur="1" fill="hold">
+                                          <p:stCondLst>
+                                            <p:cond delay="0"/>
+                                          </p:stCondLst>
+                                        </p:cTn>
+                                        <p:tgtEl>
+                                          <p:spTgt spid="3">
+                                            <p:txEl>
+                                              <p:pRg st="4" end="4"/>
+                                            </p:txEl>
+                                          </p:spTgt>
+                                        </p:tgtEl>
+                                        <p:attrNameLst>
+                                          <p:attrName>style.visibility</p:attrName>
+                                        </p:attrNameLst>
+                                      </p:cBhvr>
+                                      <p:to>
+                                        <p:strVal val="visible"/>
+                                      </p:to>
+                                    </p:set>
+                                  </p:childTnLst>
+                                </p:cTn>
+                              </p:par>
+                            </p:childTnLst>
+                          </p:cTn>
+                        </p:par>
+                      </p:childTnLst>
+                    </p:cTn>
+                  </p:par>
+                  <p:par>
+                    <p:cTn id="15" fill="hold">
+                      <p:stCondLst>
+                        <p:cond delay="indefinite"/>
+                      </p:stCondLst>
+                      <p:childTnLst>
+                        <p:par>
+                          <p:cTn id="16" fill="hold">
+                            <p:stCondLst>
+                              <p:cond delay="0"/>
+                            </p:stCondLst>
+                            <p:childTnLst>
+                              <p:par>
+                                <p:cTn id="17" presetID="1" presetClass="entr" presetSubtype="0" fill="hold" grpId="0" nodeType="clickEffect">
+                                  <p:stCondLst>
+                                    <p:cond delay="0"/>
+                                  </p:stCondLst>
+                                  <p:childTnLst>
+                                    <p:set>
+                                      <p:cBhvr>
+                                        <p:cTn id="18" dur="1" fill="hold">
+                                          <p:stCondLst>
+                                            <p:cond delay="0"/>
+                                          </p:stCondLst>
+                                        </p:cTn>
+                                        <p:tgtEl>
+                                          <p:spTgt spid="3">
+                                            <p:txEl>
+                                              <p:pRg st="5" end="5"/>
+                                            </p:txEl>
+                                          </p:spTgt>
+                                        </p:tgtEl>
+                                        <p:attrNameLst>
+                                          <p:attrName>style.visibility</p:attrName>
+                                        </p:attrNameLst>
+                                      </p:cBhvr>
+                                      <p:to>
+                                        <p:strVal val="visible"/>
+                                      </p:to>
+                                    </p:set>
+                                  </p:childTnLst>
+                                </p:cTn>
+                              </p:par>
+                            </p:childTnLst>
+                          </p:cTn>
+                        </p:par>
+                      </p:childTnLst>
+                    </p:cTn>
+                  </p:par>
+                </p:childTnLst>
+              </p:cTn>
+              <p:prevCondLst>
+                <p:cond evt="onPrev" delay="0">
+                  <p:tgtEl>
+                    <p:sldTgt/>
+                  </p:tgtEl>
+                </p:cond>
+              </p:prevCondLst>
+              <p:nextCondLst>
+                <p:cond evt="onNext" delay="0">
+                  <p:tgtEl>
+                    <p:sldTgt/>
+                  </p:tgtEl>
+                </p:cond>
+              </p:nextCondLst>
+            </p:seq>
+          </p:childTnLst>
+        </p:cTn>
+      </p:par>
+    </p:tnLst>
+    <p:bldLst>
+      <p:bldP spid="3" grpId="0" uiExpand="1" build="p"/>
+    </p:bldLst>
+  </p:timing>
 </p:sld>
 </file>
 
@@ -3815,6 +4044,235 @@
   <p:clrMapOvr>
     <a:masterClrMapping/>
   </p:clrMapOvr>
+  <p:timing>
+    <p:tnLst>
+      <p:par>
+        <p:cTn id="1" dur="indefinite" restart="never" nodeType="tmRoot">
+          <p:childTnLst>
+            <p:seq concurrent="1" nextAc="seek">
+              <p:cTn id="2" dur="indefinite" nodeType="mainSeq">
+                <p:childTnLst>
+                  <p:par>
+                    <p:cTn id="3" fill="hold">
+                      <p:stCondLst>
+                        <p:cond delay="indefinite"/>
+                      </p:stCondLst>
+                      <p:childTnLst>
+                        <p:par>
+                          <p:cTn id="4" fill="hold">
+                            <p:stCondLst>
+                              <p:cond delay="0"/>
+                            </p:stCondLst>
+                            <p:childTnLst>
+                              <p:par>
+                                <p:cTn id="5" presetID="1" presetClass="entr" presetSubtype="0" fill="hold" grpId="0" nodeType="clickEffect">
+                                  <p:stCondLst>
+                                    <p:cond delay="0"/>
+                                  </p:stCondLst>
+                                  <p:childTnLst>
+                                    <p:set>
+                                      <p:cBhvr>
+                                        <p:cTn id="6" dur="1" fill="hold">
+                                          <p:stCondLst>
+                                            <p:cond delay="0"/>
+                                          </p:stCondLst>
+                                        </p:cTn>
+                                        <p:tgtEl>
+                                          <p:spTgt spid="3">
+                                            <p:txEl>
+                                              <p:pRg st="0" end="0"/>
+                                            </p:txEl>
+                                          </p:spTgt>
+                                        </p:tgtEl>
+                                        <p:attrNameLst>
+                                          <p:attrName>style.visibility</p:attrName>
+                                        </p:attrNameLst>
+                                      </p:cBhvr>
+                                      <p:to>
+                                        <p:strVal val="visible"/>
+                                      </p:to>
+                                    </p:set>
+                                  </p:childTnLst>
+                                </p:cTn>
+                              </p:par>
+                            </p:childTnLst>
+                          </p:cTn>
+                        </p:par>
+                      </p:childTnLst>
+                    </p:cTn>
+                  </p:par>
+                  <p:par>
+                    <p:cTn id="7" fill="hold">
+                      <p:stCondLst>
+                        <p:cond delay="indefinite"/>
+                      </p:stCondLst>
+                      <p:childTnLst>
+                        <p:par>
+                          <p:cTn id="8" fill="hold">
+                            <p:stCondLst>
+                              <p:cond delay="0"/>
+                            </p:stCondLst>
+                            <p:childTnLst>
+                              <p:par>
+                                <p:cTn id="9" presetID="1" presetClass="entr" presetSubtype="0" fill="hold" grpId="0" nodeType="clickEffect">
+                                  <p:stCondLst>
+                                    <p:cond delay="0"/>
+                                  </p:stCondLst>
+                                  <p:childTnLst>
+                                    <p:set>
+                                      <p:cBhvr>
+                                        <p:cTn id="10" dur="1" fill="hold">
+                                          <p:stCondLst>
+                                            <p:cond delay="0"/>
+                                          </p:stCondLst>
+                                        </p:cTn>
+                                        <p:tgtEl>
+                                          <p:spTgt spid="3">
+                                            <p:txEl>
+                                              <p:pRg st="2" end="2"/>
+                                            </p:txEl>
+                                          </p:spTgt>
+                                        </p:tgtEl>
+                                        <p:attrNameLst>
+                                          <p:attrName>style.visibility</p:attrName>
+                                        </p:attrNameLst>
+                                      </p:cBhvr>
+                                      <p:to>
+                                        <p:strVal val="visible"/>
+                                      </p:to>
+                                    </p:set>
+                                  </p:childTnLst>
+                                </p:cTn>
+                              </p:par>
+                            </p:childTnLst>
+                          </p:cTn>
+                        </p:par>
+                      </p:childTnLst>
+                    </p:cTn>
+                  </p:par>
+                  <p:par>
+                    <p:cTn id="11" fill="hold">
+                      <p:stCondLst>
+                        <p:cond delay="indefinite"/>
+                      </p:stCondLst>
+                      <p:childTnLst>
+                        <p:par>
+                          <p:cTn id="12" fill="hold">
+                            <p:stCondLst>
+                              <p:cond delay="0"/>
+                            </p:stCondLst>
+                            <p:childTnLst>
+                              <p:par>
+                                <p:cTn id="13" presetID="1" presetClass="entr" presetSubtype="0" fill="hold" grpId="0" nodeType="clickEffect">
+                                  <p:stCondLst>
+                                    <p:cond delay="0"/>
+                                  </p:stCondLst>
+                                  <p:childTnLst>
+                                    <p:set>
+                                      <p:cBhvr>
+                                        <p:cTn id="14" dur="1" fill="hold">
+                                          <p:stCondLst>
+                                            <p:cond delay="0"/>
+                                          </p:stCondLst>
+                                        </p:cTn>
+                                        <p:tgtEl>
+                                          <p:spTgt spid="3">
+                                            <p:txEl>
+                                              <p:pRg st="4" end="4"/>
+                                            </p:txEl>
+                                          </p:spTgt>
+                                        </p:tgtEl>
+                                        <p:attrNameLst>
+                                          <p:attrName>style.visibility</p:attrName>
+                                        </p:attrNameLst>
+                                      </p:cBhvr>
+                                      <p:to>
+                                        <p:strVal val="visible"/>
+                                      </p:to>
+                                    </p:set>
+                                  </p:childTnLst>
+                                </p:cTn>
+                              </p:par>
+                            </p:childTnLst>
+                          </p:cTn>
+                        </p:par>
+                      </p:childTnLst>
+                    </p:cTn>
+                  </p:par>
+                  <p:par>
+                    <p:cTn id="15" fill="hold">
+                      <p:stCondLst>
+                        <p:cond delay="indefinite"/>
+                      </p:stCondLst>
+                      <p:childTnLst>
+                        <p:par>
+                          <p:cTn id="16" fill="hold">
+                            <p:stCondLst>
+                              <p:cond delay="0"/>
+                            </p:stCondLst>
+                            <p:childTnLst>
+                              <p:par>
+                                <p:cTn id="17" presetID="1" presetClass="entr" presetSubtype="0" fill="hold" grpId="0" nodeType="clickEffect">
+                                  <p:stCondLst>
+                                    <p:cond delay="0"/>
+                                  </p:stCondLst>
+                                  <p:childTnLst>
+                                    <p:set>
+                                      <p:cBhvr>
+                                        <p:cTn id="18" dur="1" fill="hold">
+                                          <p:stCondLst>
+                                            <p:cond delay="0"/>
+                                          </p:stCondLst>
+                                        </p:cTn>
+                                        <p:tgtEl>
+                                          <p:spTgt spid="3">
+                                            <p:txEl>
+                                              <p:pRg st="5" end="5"/>
+                                            </p:txEl>
+                                          </p:spTgt>
+                                        </p:tgtEl>
+                                        <p:attrNameLst>
+                                          <p:attrName>style.visibility</p:attrName>
+                                        </p:attrNameLst>
+                                      </p:cBhvr>
+                                      <p:to>
+                                        <p:strVal val="visible"/>
+                                      </p:to>
+                                    </p:set>
+                                  </p:childTnLst>
+                                </p:cTn>
+                              </p:par>
+                            </p:childTnLst>
+                          </p:cTn>
+                        </p:par>
+                      </p:childTnLst>
+                    </p:cTn>
+                  </p:par>
+                </p:childTnLst>
+              </p:cTn>
+              <p:prevCondLst>
+                <p:cond evt="onPrev" delay="0">
+                  <p:tgtEl>
+                    <p:sldTgt/>
+                  </p:tgtEl>
+                </p:cond>
+              </p:prevCondLst>
+              <p:nextCondLst>
+                <p:cond evt="onNext" delay="0">
+                  <p:tgtEl>
+                    <p:sldTgt/>
+                  </p:tgtEl>
+                </p:cond>
+              </p:nextCondLst>
+            </p:seq>
+          </p:childTnLst>
+        </p:cTn>
+      </p:par>
+    </p:tnLst>
+    <p:bldLst>
+      <p:bldP spid="3" grpId="0" build="p"/>
+    </p:bldLst>
+  </p:timing>
 </p:sld>
 </file>
 
@@ -4004,6 +4462,235 @@
   <p:clrMapOvr>
     <a:masterClrMapping/>
   </p:clrMapOvr>
+  <p:timing>
+    <p:tnLst>
+      <p:par>
+        <p:cTn id="1" dur="indefinite" restart="never" nodeType="tmRoot">
+          <p:childTnLst>
+            <p:seq concurrent="1" nextAc="seek">
+              <p:cTn id="2" dur="indefinite" nodeType="mainSeq">
+                <p:childTnLst>
+                  <p:par>
+                    <p:cTn id="3" fill="hold">
+                      <p:stCondLst>
+                        <p:cond delay="indefinite"/>
+                      </p:stCondLst>
+                      <p:childTnLst>
+                        <p:par>
+                          <p:cTn id="4" fill="hold">
+                            <p:stCondLst>
+                              <p:cond delay="0"/>
+                            </p:stCondLst>
+                            <p:childTnLst>
+                              <p:par>
+                                <p:cTn id="5" presetID="1" presetClass="entr" presetSubtype="0" fill="hold" grpId="0" nodeType="clickEffect">
+                                  <p:stCondLst>
+                                    <p:cond delay="0"/>
+                                  </p:stCondLst>
+                                  <p:childTnLst>
+                                    <p:set>
+                                      <p:cBhvr>
+                                        <p:cTn id="6" dur="1" fill="hold">
+                                          <p:stCondLst>
+                                            <p:cond delay="0"/>
+                                          </p:stCondLst>
+                                        </p:cTn>
+                                        <p:tgtEl>
+                                          <p:spTgt spid="3">
+                                            <p:txEl>
+                                              <p:pRg st="0" end="0"/>
+                                            </p:txEl>
+                                          </p:spTgt>
+                                        </p:tgtEl>
+                                        <p:attrNameLst>
+                                          <p:attrName>style.visibility</p:attrName>
+                                        </p:attrNameLst>
+                                      </p:cBhvr>
+                                      <p:to>
+                                        <p:strVal val="visible"/>
+                                      </p:to>
+                                    </p:set>
+                                  </p:childTnLst>
+                                </p:cTn>
+                              </p:par>
+                            </p:childTnLst>
+                          </p:cTn>
+                        </p:par>
+                      </p:childTnLst>
+                    </p:cTn>
+                  </p:par>
+                  <p:par>
+                    <p:cTn id="7" fill="hold">
+                      <p:stCondLst>
+                        <p:cond delay="indefinite"/>
+                      </p:stCondLst>
+                      <p:childTnLst>
+                        <p:par>
+                          <p:cTn id="8" fill="hold">
+                            <p:stCondLst>
+                              <p:cond delay="0"/>
+                            </p:stCondLst>
+                            <p:childTnLst>
+                              <p:par>
+                                <p:cTn id="9" presetID="1" presetClass="entr" presetSubtype="0" fill="hold" grpId="0" nodeType="clickEffect">
+                                  <p:stCondLst>
+                                    <p:cond delay="0"/>
+                                  </p:stCondLst>
+                                  <p:childTnLst>
+                                    <p:set>
+                                      <p:cBhvr>
+                                        <p:cTn id="10" dur="1" fill="hold">
+                                          <p:stCondLst>
+                                            <p:cond delay="0"/>
+                                          </p:stCondLst>
+                                        </p:cTn>
+                                        <p:tgtEl>
+                                          <p:spTgt spid="3">
+                                            <p:txEl>
+                                              <p:pRg st="2" end="2"/>
+                                            </p:txEl>
+                                          </p:spTgt>
+                                        </p:tgtEl>
+                                        <p:attrNameLst>
+                                          <p:attrName>style.visibility</p:attrName>
+                                        </p:attrNameLst>
+                                      </p:cBhvr>
+                                      <p:to>
+                                        <p:strVal val="visible"/>
+                                      </p:to>
+                                    </p:set>
+                                  </p:childTnLst>
+                                </p:cTn>
+                              </p:par>
+                            </p:childTnLst>
+                          </p:cTn>
+                        </p:par>
+                      </p:childTnLst>
+                    </p:cTn>
+                  </p:par>
+                  <p:par>
+                    <p:cTn id="11" fill="hold">
+                      <p:stCondLst>
+                        <p:cond delay="indefinite"/>
+                      </p:stCondLst>
+                      <p:childTnLst>
+                        <p:par>
+                          <p:cTn id="12" fill="hold">
+                            <p:stCondLst>
+                              <p:cond delay="0"/>
+                            </p:stCondLst>
+                            <p:childTnLst>
+                              <p:par>
+                                <p:cTn id="13" presetID="1" presetClass="entr" presetSubtype="0" fill="hold" grpId="0" nodeType="clickEffect">
+                                  <p:stCondLst>
+                                    <p:cond delay="0"/>
+                                  </p:stCondLst>
+                                  <p:childTnLst>
+                                    <p:set>
+                                      <p:cBhvr>
+                                        <p:cTn id="14" dur="1" fill="hold">
+                                          <p:stCondLst>
+                                            <p:cond delay="0"/>
+                                          </p:stCondLst>
+                                        </p:cTn>
+                                        <p:tgtEl>
+                                          <p:spTgt spid="3">
+                                            <p:txEl>
+                                              <p:pRg st="4" end="4"/>
+                                            </p:txEl>
+                                          </p:spTgt>
+                                        </p:tgtEl>
+                                        <p:attrNameLst>
+                                          <p:attrName>style.visibility</p:attrName>
+                                        </p:attrNameLst>
+                                      </p:cBhvr>
+                                      <p:to>
+                                        <p:strVal val="visible"/>
+                                      </p:to>
+                                    </p:set>
+                                  </p:childTnLst>
+                                </p:cTn>
+                              </p:par>
+                            </p:childTnLst>
+                          </p:cTn>
+                        </p:par>
+                      </p:childTnLst>
+                    </p:cTn>
+                  </p:par>
+                  <p:par>
+                    <p:cTn id="15" fill="hold">
+                      <p:stCondLst>
+                        <p:cond delay="indefinite"/>
+                      </p:stCondLst>
+                      <p:childTnLst>
+                        <p:par>
+                          <p:cTn id="16" fill="hold">
+                            <p:stCondLst>
+                              <p:cond delay="0"/>
+                            </p:stCondLst>
+                            <p:childTnLst>
+                              <p:par>
+                                <p:cTn id="17" presetID="1" presetClass="entr" presetSubtype="0" fill="hold" grpId="0" nodeType="clickEffect">
+                                  <p:stCondLst>
+                                    <p:cond delay="0"/>
+                                  </p:stCondLst>
+                                  <p:childTnLst>
+                                    <p:set>
+                                      <p:cBhvr>
+                                        <p:cTn id="18" dur="1" fill="hold">
+                                          <p:stCondLst>
+                                            <p:cond delay="0"/>
+                                          </p:stCondLst>
+                                        </p:cTn>
+                                        <p:tgtEl>
+                                          <p:spTgt spid="3">
+                                            <p:txEl>
+                                              <p:pRg st="6" end="6"/>
+                                            </p:txEl>
+                                          </p:spTgt>
+                                        </p:tgtEl>
+                                        <p:attrNameLst>
+                                          <p:attrName>style.visibility</p:attrName>
+                                        </p:attrNameLst>
+                                      </p:cBhvr>
+                                      <p:to>
+                                        <p:strVal val="visible"/>
+                                      </p:to>
+                                    </p:set>
+                                  </p:childTnLst>
+                                </p:cTn>
+                              </p:par>
+                            </p:childTnLst>
+                          </p:cTn>
+                        </p:par>
+                      </p:childTnLst>
+                    </p:cTn>
+                  </p:par>
+                </p:childTnLst>
+              </p:cTn>
+              <p:prevCondLst>
+                <p:cond evt="onPrev" delay="0">
+                  <p:tgtEl>
+                    <p:sldTgt/>
+                  </p:tgtEl>
+                </p:cond>
+              </p:prevCondLst>
+              <p:nextCondLst>
+                <p:cond evt="onNext" delay="0">
+                  <p:tgtEl>
+                    <p:sldTgt/>
+                  </p:tgtEl>
+                </p:cond>
+              </p:nextCondLst>
+            </p:seq>
+          </p:childTnLst>
+        </p:cTn>
+      </p:par>
+    </p:tnLst>
+    <p:bldLst>
+      <p:bldP spid="3" grpId="0" build="p"/>
+    </p:bldLst>
+  </p:timing>
 </p:sld>
 </file>
 
@@ -4176,6 +4863,235 @@
   <p:clrMapOvr>
     <a:masterClrMapping/>
   </p:clrMapOvr>
+  <p:timing>
+    <p:tnLst>
+      <p:par>
+        <p:cTn id="1" dur="indefinite" restart="never" nodeType="tmRoot">
+          <p:childTnLst>
+            <p:seq concurrent="1" nextAc="seek">
+              <p:cTn id="2" dur="indefinite" nodeType="mainSeq">
+                <p:childTnLst>
+                  <p:par>
+                    <p:cTn id="3" fill="hold">
+                      <p:stCondLst>
+                        <p:cond delay="indefinite"/>
+                      </p:stCondLst>
+                      <p:childTnLst>
+                        <p:par>
+                          <p:cTn id="4" fill="hold">
+                            <p:stCondLst>
+                              <p:cond delay="0"/>
+                            </p:stCondLst>
+                            <p:childTnLst>
+                              <p:par>
+                                <p:cTn id="5" presetID="1" presetClass="entr" presetSubtype="0" fill="hold" grpId="0" nodeType="clickEffect">
+                                  <p:stCondLst>
+                                    <p:cond delay="0"/>
+                                  </p:stCondLst>
+                                  <p:childTnLst>
+                                    <p:set>
+                                      <p:cBhvr>
+                                        <p:cTn id="6" dur="1" fill="hold">
+                                          <p:stCondLst>
+                                            <p:cond delay="0"/>
+                                          </p:stCondLst>
+                                        </p:cTn>
+                                        <p:tgtEl>
+                                          <p:spTgt spid="3">
+                                            <p:txEl>
+                                              <p:pRg st="0" end="0"/>
+                                            </p:txEl>
+                                          </p:spTgt>
+                                        </p:tgtEl>
+                                        <p:attrNameLst>
+                                          <p:attrName>style.visibility</p:attrName>
+                                        </p:attrNameLst>
+                                      </p:cBhvr>
+                                      <p:to>
+                                        <p:strVal val="visible"/>
+                                      </p:to>
+                                    </p:set>
+                                  </p:childTnLst>
+                                </p:cTn>
+                              </p:par>
+                            </p:childTnLst>
+                          </p:cTn>
+                        </p:par>
+                      </p:childTnLst>
+                    </p:cTn>
+                  </p:par>
+                  <p:par>
+                    <p:cTn id="7" fill="hold">
+                      <p:stCondLst>
+                        <p:cond delay="indefinite"/>
+                      </p:stCondLst>
+                      <p:childTnLst>
+                        <p:par>
+                          <p:cTn id="8" fill="hold">
+                            <p:stCondLst>
+                              <p:cond delay="0"/>
+                            </p:stCondLst>
+                            <p:childTnLst>
+                              <p:par>
+                                <p:cTn id="9" presetID="1" presetClass="entr" presetSubtype="0" fill="hold" grpId="0" nodeType="clickEffect">
+                                  <p:stCondLst>
+                                    <p:cond delay="0"/>
+                                  </p:stCondLst>
+                                  <p:childTnLst>
+                                    <p:set>
+                                      <p:cBhvr>
+                                        <p:cTn id="10" dur="1" fill="hold">
+                                          <p:stCondLst>
+                                            <p:cond delay="0"/>
+                                          </p:stCondLst>
+                                        </p:cTn>
+                                        <p:tgtEl>
+                                          <p:spTgt spid="3">
+                                            <p:txEl>
+                                              <p:pRg st="2" end="2"/>
+                                            </p:txEl>
+                                          </p:spTgt>
+                                        </p:tgtEl>
+                                        <p:attrNameLst>
+                                          <p:attrName>style.visibility</p:attrName>
+                                        </p:attrNameLst>
+                                      </p:cBhvr>
+                                      <p:to>
+                                        <p:strVal val="visible"/>
+                                      </p:to>
+                                    </p:set>
+                                  </p:childTnLst>
+                                </p:cTn>
+                              </p:par>
+                            </p:childTnLst>
+                          </p:cTn>
+                        </p:par>
+                      </p:childTnLst>
+                    </p:cTn>
+                  </p:par>
+                  <p:par>
+                    <p:cTn id="11" fill="hold">
+                      <p:stCondLst>
+                        <p:cond delay="indefinite"/>
+                      </p:stCondLst>
+                      <p:childTnLst>
+                        <p:par>
+                          <p:cTn id="12" fill="hold">
+                            <p:stCondLst>
+                              <p:cond delay="0"/>
+                            </p:stCondLst>
+                            <p:childTnLst>
+                              <p:par>
+                                <p:cTn id="13" presetID="1" presetClass="entr" presetSubtype="0" fill="hold" grpId="0" nodeType="clickEffect">
+                                  <p:stCondLst>
+                                    <p:cond delay="0"/>
+                                  </p:stCondLst>
+                                  <p:childTnLst>
+                                    <p:set>
+                                      <p:cBhvr>
+                                        <p:cTn id="14" dur="1" fill="hold">
+                                          <p:stCondLst>
+                                            <p:cond delay="0"/>
+                                          </p:stCondLst>
+                                        </p:cTn>
+                                        <p:tgtEl>
+                                          <p:spTgt spid="3">
+                                            <p:txEl>
+                                              <p:pRg st="4" end="4"/>
+                                            </p:txEl>
+                                          </p:spTgt>
+                                        </p:tgtEl>
+                                        <p:attrNameLst>
+                                          <p:attrName>style.visibility</p:attrName>
+                                        </p:attrNameLst>
+                                      </p:cBhvr>
+                                      <p:to>
+                                        <p:strVal val="visible"/>
+                                      </p:to>
+                                    </p:set>
+                                  </p:childTnLst>
+                                </p:cTn>
+                              </p:par>
+                            </p:childTnLst>
+                          </p:cTn>
+                        </p:par>
+                      </p:childTnLst>
+                    </p:cTn>
+                  </p:par>
+                  <p:par>
+                    <p:cTn id="15" fill="hold">
+                      <p:stCondLst>
+                        <p:cond delay="indefinite"/>
+                      </p:stCondLst>
+                      <p:childTnLst>
+                        <p:par>
+                          <p:cTn id="16" fill="hold">
+                            <p:stCondLst>
+                              <p:cond delay="0"/>
+                            </p:stCondLst>
+                            <p:childTnLst>
+                              <p:par>
+                                <p:cTn id="17" presetID="1" presetClass="entr" presetSubtype="0" fill="hold" grpId="0" nodeType="clickEffect">
+                                  <p:stCondLst>
+                                    <p:cond delay="0"/>
+                                  </p:stCondLst>
+                                  <p:childTnLst>
+                                    <p:set>
+                                      <p:cBhvr>
+                                        <p:cTn id="18" dur="1" fill="hold">
+                                          <p:stCondLst>
+                                            <p:cond delay="0"/>
+                                          </p:stCondLst>
+                                        </p:cTn>
+                                        <p:tgtEl>
+                                          <p:spTgt spid="3">
+                                            <p:txEl>
+                                              <p:pRg st="5" end="5"/>
+                                            </p:txEl>
+                                          </p:spTgt>
+                                        </p:tgtEl>
+                                        <p:attrNameLst>
+                                          <p:attrName>style.visibility</p:attrName>
+                                        </p:attrNameLst>
+                                      </p:cBhvr>
+                                      <p:to>
+                                        <p:strVal val="visible"/>
+                                      </p:to>
+                                    </p:set>
+                                  </p:childTnLst>
+                                </p:cTn>
+                              </p:par>
+                            </p:childTnLst>
+                          </p:cTn>
+                        </p:par>
+                      </p:childTnLst>
+                    </p:cTn>
+                  </p:par>
+                </p:childTnLst>
+              </p:cTn>
+              <p:prevCondLst>
+                <p:cond evt="onPrev" delay="0">
+                  <p:tgtEl>
+                    <p:sldTgt/>
+                  </p:tgtEl>
+                </p:cond>
+              </p:prevCondLst>
+              <p:nextCondLst>
+                <p:cond evt="onNext" delay="0">
+                  <p:tgtEl>
+                    <p:sldTgt/>
+                  </p:tgtEl>
+                </p:cond>
+              </p:nextCondLst>
+            </p:seq>
+          </p:childTnLst>
+        </p:cTn>
+      </p:par>
+    </p:tnLst>
+    <p:bldLst>
+      <p:bldP spid="3" grpId="0" build="p"/>
+    </p:bldLst>
+  </p:timing>
 </p:sld>
 </file>
 
@@ -4349,6 +5265,248 @@
   <p:clrMapOvr>
     <a:masterClrMapping/>
   </p:clrMapOvr>
+  <p:timing>
+    <p:tnLst>
+      <p:par>
+        <p:cTn id="1" dur="indefinite" restart="never" nodeType="tmRoot">
+          <p:childTnLst>
+            <p:seq concurrent="1" nextAc="seek">
+              <p:cTn id="2" dur="indefinite" nodeType="mainSeq">
+                <p:childTnLst>
+                  <p:par>
+                    <p:cTn id="3" fill="hold">
+                      <p:stCondLst>
+                        <p:cond delay="indefinite"/>
+                      </p:stCondLst>
+                      <p:childTnLst>
+                        <p:par>
+                          <p:cTn id="4" fill="hold">
+                            <p:stCondLst>
+                              <p:cond delay="0"/>
+                            </p:stCondLst>
+                            <p:childTnLst>
+                              <p:par>
+                                <p:cTn id="5" presetID="1" presetClass="entr" presetSubtype="0" fill="hold" grpId="0" nodeType="clickEffect">
+                                  <p:stCondLst>
+                                    <p:cond delay="0"/>
+                                  </p:stCondLst>
+                                  <p:childTnLst>
+                                    <p:set>
+                                      <p:cBhvr>
+                                        <p:cTn id="6" dur="1" fill="hold">
+                                          <p:stCondLst>
+                                            <p:cond delay="0"/>
+                                          </p:stCondLst>
+                                        </p:cTn>
+                                        <p:tgtEl>
+                                          <p:spTgt spid="3">
+                                            <p:txEl>
+                                              <p:pRg st="0" end="0"/>
+                                            </p:txEl>
+                                          </p:spTgt>
+                                        </p:tgtEl>
+                                        <p:attrNameLst>
+                                          <p:attrName>style.visibility</p:attrName>
+                                        </p:attrNameLst>
+                                      </p:cBhvr>
+                                      <p:to>
+                                        <p:strVal val="visible"/>
+                                      </p:to>
+                                    </p:set>
+                                  </p:childTnLst>
+                                </p:cTn>
+                              </p:par>
+                            </p:childTnLst>
+                          </p:cTn>
+                        </p:par>
+                      </p:childTnLst>
+                    </p:cTn>
+                  </p:par>
+                  <p:par>
+                    <p:cTn id="7" fill="hold">
+                      <p:stCondLst>
+                        <p:cond delay="indefinite"/>
+                      </p:stCondLst>
+                      <p:childTnLst>
+                        <p:par>
+                          <p:cTn id="8" fill="hold">
+                            <p:stCondLst>
+                              <p:cond delay="0"/>
+                            </p:stCondLst>
+                            <p:childTnLst>
+                              <p:par>
+                                <p:cTn id="9" presetID="1" presetClass="entr" presetSubtype="0" fill="hold" grpId="0" nodeType="clickEffect">
+                                  <p:stCondLst>
+                                    <p:cond delay="0"/>
+                                  </p:stCondLst>
+                                  <p:childTnLst>
+                                    <p:set>
+                                      <p:cBhvr>
+                                        <p:cTn id="10" dur="1" fill="hold">
+                                          <p:stCondLst>
+                                            <p:cond delay="0"/>
+                                          </p:stCondLst>
+                                        </p:cTn>
+                                        <p:tgtEl>
+                                          <p:spTgt spid="3">
+                                            <p:txEl>
+                                              <p:pRg st="2" end="2"/>
+                                            </p:txEl>
+                                          </p:spTgt>
+                                        </p:tgtEl>
+                                        <p:attrNameLst>
+                                          <p:attrName>style.visibility</p:attrName>
+                                        </p:attrNameLst>
+                                      </p:cBhvr>
+                                      <p:to>
+                                        <p:strVal val="visible"/>
+                                      </p:to>
+                                    </p:set>
+                                  </p:childTnLst>
+                                </p:cTn>
+                              </p:par>
+                            </p:childTnLst>
+                          </p:cTn>
+                        </p:par>
+                      </p:childTnLst>
+                    </p:cTn>
+                  </p:par>
+                  <p:par>
+                    <p:cTn id="11" fill="hold">
+                      <p:stCondLst>
+                        <p:cond delay="indefinite"/>
+                      </p:stCondLst>
+                      <p:childTnLst>
+                        <p:par>
+                          <p:cTn id="12" fill="hold">
+                            <p:stCondLst>
+                              <p:cond delay="0"/>
+                            </p:stCondLst>
+                            <p:childTnLst>
+                              <p:par>
+                                <p:cTn id="13" presetID="1" presetClass="entr" presetSubtype="0" fill="hold" grpId="0" nodeType="clickEffect">
+                                  <p:stCondLst>
+                                    <p:cond delay="0"/>
+                                  </p:stCondLst>
+                                  <p:childTnLst>
+                                    <p:set>
+                                      <p:cBhvr>
+                                        <p:cTn id="14" dur="1" fill="hold">
+                                          <p:stCondLst>
+                                            <p:cond delay="0"/>
+                                          </p:stCondLst>
+                                        </p:cTn>
+                                        <p:tgtEl>
+                                          <p:spTgt spid="3">
+                                            <p:txEl>
+                                              <p:pRg st="3" end="3"/>
+                                            </p:txEl>
+                                          </p:spTgt>
+                                        </p:tgtEl>
+                                        <p:attrNameLst>
+                                          <p:attrName>style.visibility</p:attrName>
+                                        </p:attrNameLst>
+                                      </p:cBhvr>
+                                      <p:to>
+                                        <p:strVal val="visible"/>
+                                      </p:to>
+                                    </p:set>
+                                  </p:childTnLst>
+                                </p:cTn>
+                              </p:par>
+                              <p:par>
+                                <p:cTn id="15" presetID="1" presetClass="entr" presetSubtype="0" fill="hold" grpId="0" nodeType="withEffect">
+                                  <p:stCondLst>
+                                    <p:cond delay="0"/>
+                                  </p:stCondLst>
+                                  <p:childTnLst>
+                                    <p:set>
+                                      <p:cBhvr>
+                                        <p:cTn id="16" dur="1" fill="hold">
+                                          <p:stCondLst>
+                                            <p:cond delay="0"/>
+                                          </p:stCondLst>
+                                        </p:cTn>
+                                        <p:tgtEl>
+                                          <p:spTgt spid="3">
+                                            <p:txEl>
+                                              <p:pRg st="4" end="4"/>
+                                            </p:txEl>
+                                          </p:spTgt>
+                                        </p:tgtEl>
+                                        <p:attrNameLst>
+                                          <p:attrName>style.visibility</p:attrName>
+                                        </p:attrNameLst>
+                                      </p:cBhvr>
+                                      <p:to>
+                                        <p:strVal val="visible"/>
+                                      </p:to>
+                                    </p:set>
+                                  </p:childTnLst>
+                                </p:cTn>
+                              </p:par>
+                              <p:par>
+                                <p:cTn id="17" presetID="1" presetClass="entr" presetSubtype="0" fill="hold" grpId="0" nodeType="withEffect">
+                                  <p:stCondLst>
+                                    <p:cond delay="0"/>
+                                  </p:stCondLst>
+                                  <p:childTnLst>
+                                    <p:set>
+                                      <p:cBhvr>
+                                        <p:cTn id="18" dur="1" fill="hold">
+                                          <p:stCondLst>
+                                            <p:cond delay="0"/>
+                                          </p:stCondLst>
+                                        </p:cTn>
+                                        <p:tgtEl>
+                                          <p:spTgt spid="3">
+                                            <p:txEl>
+                                              <p:pRg st="5" end="5"/>
+                                            </p:txEl>
+                                          </p:spTgt>
+                                        </p:tgtEl>
+                                        <p:attrNameLst>
+                                          <p:attrName>style.visibility</p:attrName>
+                                        </p:attrNameLst>
+                                      </p:cBhvr>
+                                      <p:to>
+                                        <p:strVal val="visible"/>
+                                      </p:to>
+                                    </p:set>
+                                  </p:childTnLst>
+                                </p:cTn>
+                              </p:par>
+                            </p:childTnLst>
+                          </p:cTn>
+                        </p:par>
+                      </p:childTnLst>
+                    </p:cTn>
+                  </p:par>
+                </p:childTnLst>
+              </p:cTn>
+              <p:prevCondLst>
+                <p:cond evt="onPrev" delay="0">
+                  <p:tgtEl>
+                    <p:sldTgt/>
+                  </p:tgtEl>
+                </p:cond>
+              </p:prevCondLst>
+              <p:nextCondLst>
+                <p:cond evt="onNext" delay="0">
+                  <p:tgtEl>
+                    <p:sldTgt/>
+                  </p:tgtEl>
+                </p:cond>
+              </p:nextCondLst>
+            </p:seq>
+          </p:childTnLst>
+        </p:cTn>
+      </p:par>
+    </p:tnLst>
+    <p:bldLst>
+      <p:bldP spid="3" grpId="0" build="p"/>
+    </p:bldLst>
+  </p:timing>
 </p:sld>
 </file>
 
@@ -5042,6 +6200,284 @@
   <p:clrMapOvr>
     <a:masterClrMapping/>
   </p:clrMapOvr>
+  <p:timing>
+    <p:tnLst>
+      <p:par>
+        <p:cTn id="1" dur="indefinite" restart="never" nodeType="tmRoot">
+          <p:childTnLst>
+            <p:seq concurrent="1" nextAc="seek">
+              <p:cTn id="2" dur="indefinite" nodeType="mainSeq">
+                <p:childTnLst>
+                  <p:par>
+                    <p:cTn id="3" fill="hold">
+                      <p:stCondLst>
+                        <p:cond delay="indefinite"/>
+                      </p:stCondLst>
+                      <p:childTnLst>
+                        <p:par>
+                          <p:cTn id="4" fill="hold">
+                            <p:stCondLst>
+                              <p:cond delay="0"/>
+                            </p:stCondLst>
+                            <p:childTnLst>
+                              <p:par>
+                                <p:cTn id="5" presetID="1" presetClass="entr" presetSubtype="0" fill="hold" grpId="0" nodeType="clickEffect">
+                                  <p:stCondLst>
+                                    <p:cond delay="0"/>
+                                  </p:stCondLst>
+                                  <p:childTnLst>
+                                    <p:set>
+                                      <p:cBhvr>
+                                        <p:cTn id="6" dur="1" fill="hold">
+                                          <p:stCondLst>
+                                            <p:cond delay="0"/>
+                                          </p:stCondLst>
+                                        </p:cTn>
+                                        <p:tgtEl>
+                                          <p:spTgt spid="3">
+                                            <p:txEl>
+                                              <p:pRg st="0" end="0"/>
+                                            </p:txEl>
+                                          </p:spTgt>
+                                        </p:tgtEl>
+                                        <p:attrNameLst>
+                                          <p:attrName>style.visibility</p:attrName>
+                                        </p:attrNameLst>
+                                      </p:cBhvr>
+                                      <p:to>
+                                        <p:strVal val="visible"/>
+                                      </p:to>
+                                    </p:set>
+                                  </p:childTnLst>
+                                </p:cTn>
+                              </p:par>
+                            </p:childTnLst>
+                          </p:cTn>
+                        </p:par>
+                      </p:childTnLst>
+                    </p:cTn>
+                  </p:par>
+                  <p:par>
+                    <p:cTn id="7" fill="hold">
+                      <p:stCondLst>
+                        <p:cond delay="indefinite"/>
+                      </p:stCondLst>
+                      <p:childTnLst>
+                        <p:par>
+                          <p:cTn id="8" fill="hold">
+                            <p:stCondLst>
+                              <p:cond delay="0"/>
+                            </p:stCondLst>
+                            <p:childTnLst>
+                              <p:par>
+                                <p:cTn id="9" presetID="1" presetClass="entr" presetSubtype="0" fill="hold" grpId="0" nodeType="clickEffect">
+                                  <p:stCondLst>
+                                    <p:cond delay="0"/>
+                                  </p:stCondLst>
+                                  <p:childTnLst>
+                                    <p:set>
+                                      <p:cBhvr>
+                                        <p:cTn id="10" dur="1" fill="hold">
+                                          <p:stCondLst>
+                                            <p:cond delay="0"/>
+                                          </p:stCondLst>
+                                        </p:cTn>
+                                        <p:tgtEl>
+                                          <p:spTgt spid="3">
+                                            <p:txEl>
+                                              <p:pRg st="2" end="2"/>
+                                            </p:txEl>
+                                          </p:spTgt>
+                                        </p:tgtEl>
+                                        <p:attrNameLst>
+                                          <p:attrName>style.visibility</p:attrName>
+                                        </p:attrNameLst>
+                                      </p:cBhvr>
+                                      <p:to>
+                                        <p:strVal val="visible"/>
+                                      </p:to>
+                                    </p:set>
+                                  </p:childTnLst>
+                                </p:cTn>
+                              </p:par>
+                            </p:childTnLst>
+                          </p:cTn>
+                        </p:par>
+                      </p:childTnLst>
+                    </p:cTn>
+                  </p:par>
+                  <p:par>
+                    <p:cTn id="11" fill="hold">
+                      <p:stCondLst>
+                        <p:cond delay="indefinite"/>
+                      </p:stCondLst>
+                      <p:childTnLst>
+                        <p:par>
+                          <p:cTn id="12" fill="hold">
+                            <p:stCondLst>
+                              <p:cond delay="0"/>
+                            </p:stCondLst>
+                            <p:childTnLst>
+                              <p:par>
+                                <p:cTn id="13" presetID="1" presetClass="entr" presetSubtype="0" fill="hold" grpId="0" nodeType="clickEffect">
+                                  <p:stCondLst>
+                                    <p:cond delay="0"/>
+                                  </p:stCondLst>
+                                  <p:childTnLst>
+                                    <p:set>
+                                      <p:cBhvr>
+                                        <p:cTn id="14" dur="1" fill="hold">
+                                          <p:stCondLst>
+                                            <p:cond delay="0"/>
+                                          </p:stCondLst>
+                                        </p:cTn>
+                                        <p:tgtEl>
+                                          <p:spTgt spid="3">
+                                            <p:txEl>
+                                              <p:pRg st="4" end="4"/>
+                                            </p:txEl>
+                                          </p:spTgt>
+                                        </p:tgtEl>
+                                        <p:attrNameLst>
+                                          <p:attrName>style.visibility</p:attrName>
+                                        </p:attrNameLst>
+                                      </p:cBhvr>
+                                      <p:to>
+                                        <p:strVal val="visible"/>
+                                      </p:to>
+                                    </p:set>
+                                  </p:childTnLst>
+                                </p:cTn>
+                              </p:par>
+                            </p:childTnLst>
+                          </p:cTn>
+                        </p:par>
+                      </p:childTnLst>
+                    </p:cTn>
+                  </p:par>
+                  <p:par>
+                    <p:cTn id="15" fill="hold">
+                      <p:stCondLst>
+                        <p:cond delay="indefinite"/>
+                      </p:stCondLst>
+                      <p:childTnLst>
+                        <p:par>
+                          <p:cTn id="16" fill="hold">
+                            <p:stCondLst>
+                              <p:cond delay="0"/>
+                            </p:stCondLst>
+                            <p:childTnLst>
+                              <p:par>
+                                <p:cTn id="17" presetID="1" presetClass="entr" presetSubtype="0" fill="hold" grpId="0" nodeType="clickEffect">
+                                  <p:stCondLst>
+                                    <p:cond delay="0"/>
+                                  </p:stCondLst>
+                                  <p:childTnLst>
+                                    <p:set>
+                                      <p:cBhvr>
+                                        <p:cTn id="18" dur="1" fill="hold">
+                                          <p:stCondLst>
+                                            <p:cond delay="0"/>
+                                          </p:stCondLst>
+                                        </p:cTn>
+                                        <p:tgtEl>
+                                          <p:spTgt spid="3">
+                                            <p:txEl>
+                                              <p:pRg st="6" end="6"/>
+                                            </p:txEl>
+                                          </p:spTgt>
+                                        </p:tgtEl>
+                                        <p:attrNameLst>
+                                          <p:attrName>style.visibility</p:attrName>
+                                        </p:attrNameLst>
+                                      </p:cBhvr>
+                                      <p:to>
+                                        <p:strVal val="visible"/>
+                                      </p:to>
+                                    </p:set>
+                                  </p:childTnLst>
+                                </p:cTn>
+                              </p:par>
+                            </p:childTnLst>
+                          </p:cTn>
+                        </p:par>
+                      </p:childTnLst>
+                    </p:cTn>
+                  </p:par>
+                  <p:par>
+                    <p:cTn id="19" fill="hold">
+                      <p:stCondLst>
+                        <p:cond delay="indefinite"/>
+                      </p:stCondLst>
+                      <p:childTnLst>
+                        <p:par>
+                          <p:cTn id="20" fill="hold">
+                            <p:stCondLst>
+                              <p:cond delay="0"/>
+                            </p:stCondLst>
+                            <p:childTnLst>
+                              <p:par>
+                                <p:cTn id="21" presetID="1" presetClass="entr" presetSubtype="0" fill="hold" grpId="0" nodeType="clickEffect">
+                                  <p:stCondLst>
+                                    <p:cond delay="0"/>
+                                  </p:stCondLst>
+                                  <p:childTnLst>
+                                    <p:set>
+                                      <p:cBhvr>
+                                        <p:cTn id="22" dur="1" fill="hold">
+                                          <p:stCondLst>
+                                            <p:cond delay="0"/>
+                                          </p:stCondLst>
+                                        </p:cTn>
+                                        <p:tgtEl>
+                                          <p:spTgt spid="3">
+                                            <p:txEl>
+                                              <p:pRg st="8" end="8"/>
+                                            </p:txEl>
+                                          </p:spTgt>
+                                        </p:tgtEl>
+                                        <p:attrNameLst>
+                                          <p:attrName>style.visibility</p:attrName>
+                                        </p:attrNameLst>
+                                      </p:cBhvr>
+                                      <p:to>
+                                        <p:strVal val="visible"/>
+                                      </p:to>
+                                    </p:set>
+                                  </p:childTnLst>
+                                </p:cTn>
+                              </p:par>
+                            </p:childTnLst>
+                          </p:cTn>
+                        </p:par>
+                      </p:childTnLst>
+                    </p:cTn>
+                  </p:par>
+                </p:childTnLst>
+              </p:cTn>
+              <p:prevCondLst>
+                <p:cond evt="onPrev" delay="0">
+                  <p:tgtEl>
+                    <p:sldTgt/>
+                  </p:tgtEl>
+                </p:cond>
+              </p:prevCondLst>
+              <p:nextCondLst>
+                <p:cond evt="onNext" delay="0">
+                  <p:tgtEl>
+                    <p:sldTgt/>
+                  </p:tgtEl>
+                </p:cond>
+              </p:nextCondLst>
+            </p:seq>
+          </p:childTnLst>
+        </p:cTn>
+      </p:par>
+    </p:tnLst>
+    <p:bldLst>
+      <p:bldP spid="3" grpId="0" build="p"/>
+    </p:bldLst>
+  </p:timing>
 </p:sld>
 </file>
 
@@ -5192,6 +6628,235 @@
   <p:clrMapOvr>
     <a:masterClrMapping/>
   </p:clrMapOvr>
+  <p:timing>
+    <p:tnLst>
+      <p:par>
+        <p:cTn id="1" dur="indefinite" restart="never" nodeType="tmRoot">
+          <p:childTnLst>
+            <p:seq concurrent="1" nextAc="seek">
+              <p:cTn id="2" dur="indefinite" nodeType="mainSeq">
+                <p:childTnLst>
+                  <p:par>
+                    <p:cTn id="3" fill="hold">
+                      <p:stCondLst>
+                        <p:cond delay="indefinite"/>
+                      </p:stCondLst>
+                      <p:childTnLst>
+                        <p:par>
+                          <p:cTn id="4" fill="hold">
+                            <p:stCondLst>
+                              <p:cond delay="0"/>
+                            </p:stCondLst>
+                            <p:childTnLst>
+                              <p:par>
+                                <p:cTn id="5" presetID="1" presetClass="entr" presetSubtype="0" fill="hold" grpId="0" nodeType="clickEffect">
+                                  <p:stCondLst>
+                                    <p:cond delay="0"/>
+                                  </p:stCondLst>
+                                  <p:childTnLst>
+                                    <p:set>
+                                      <p:cBhvr>
+                                        <p:cTn id="6" dur="1" fill="hold">
+                                          <p:stCondLst>
+                                            <p:cond delay="0"/>
+                                          </p:stCondLst>
+                                        </p:cTn>
+                                        <p:tgtEl>
+                                          <p:spTgt spid="3">
+                                            <p:txEl>
+                                              <p:pRg st="0" end="0"/>
+                                            </p:txEl>
+                                          </p:spTgt>
+                                        </p:tgtEl>
+                                        <p:attrNameLst>
+                                          <p:attrName>style.visibility</p:attrName>
+                                        </p:attrNameLst>
+                                      </p:cBhvr>
+                                      <p:to>
+                                        <p:strVal val="visible"/>
+                                      </p:to>
+                                    </p:set>
+                                  </p:childTnLst>
+                                </p:cTn>
+                              </p:par>
+                            </p:childTnLst>
+                          </p:cTn>
+                        </p:par>
+                      </p:childTnLst>
+                    </p:cTn>
+                  </p:par>
+                  <p:par>
+                    <p:cTn id="7" fill="hold">
+                      <p:stCondLst>
+                        <p:cond delay="indefinite"/>
+                      </p:stCondLst>
+                      <p:childTnLst>
+                        <p:par>
+                          <p:cTn id="8" fill="hold">
+                            <p:stCondLst>
+                              <p:cond delay="0"/>
+                            </p:stCondLst>
+                            <p:childTnLst>
+                              <p:par>
+                                <p:cTn id="9" presetID="1" presetClass="entr" presetSubtype="0" fill="hold" grpId="0" nodeType="clickEffect">
+                                  <p:stCondLst>
+                                    <p:cond delay="0"/>
+                                  </p:stCondLst>
+                                  <p:childTnLst>
+                                    <p:set>
+                                      <p:cBhvr>
+                                        <p:cTn id="10" dur="1" fill="hold">
+                                          <p:stCondLst>
+                                            <p:cond delay="0"/>
+                                          </p:stCondLst>
+                                        </p:cTn>
+                                        <p:tgtEl>
+                                          <p:spTgt spid="3">
+                                            <p:txEl>
+                                              <p:pRg st="2" end="2"/>
+                                            </p:txEl>
+                                          </p:spTgt>
+                                        </p:tgtEl>
+                                        <p:attrNameLst>
+                                          <p:attrName>style.visibility</p:attrName>
+                                        </p:attrNameLst>
+                                      </p:cBhvr>
+                                      <p:to>
+                                        <p:strVal val="visible"/>
+                                      </p:to>
+                                    </p:set>
+                                  </p:childTnLst>
+                                </p:cTn>
+                              </p:par>
+                            </p:childTnLst>
+                          </p:cTn>
+                        </p:par>
+                      </p:childTnLst>
+                    </p:cTn>
+                  </p:par>
+                  <p:par>
+                    <p:cTn id="11" fill="hold">
+                      <p:stCondLst>
+                        <p:cond delay="indefinite"/>
+                      </p:stCondLst>
+                      <p:childTnLst>
+                        <p:par>
+                          <p:cTn id="12" fill="hold">
+                            <p:stCondLst>
+                              <p:cond delay="0"/>
+                            </p:stCondLst>
+                            <p:childTnLst>
+                              <p:par>
+                                <p:cTn id="13" presetID="1" presetClass="entr" presetSubtype="0" fill="hold" grpId="0" nodeType="clickEffect">
+                                  <p:stCondLst>
+                                    <p:cond delay="0"/>
+                                  </p:stCondLst>
+                                  <p:childTnLst>
+                                    <p:set>
+                                      <p:cBhvr>
+                                        <p:cTn id="14" dur="1" fill="hold">
+                                          <p:stCondLst>
+                                            <p:cond delay="0"/>
+                                          </p:stCondLst>
+                                        </p:cTn>
+                                        <p:tgtEl>
+                                          <p:spTgt spid="3">
+                                            <p:txEl>
+                                              <p:pRg st="4" end="4"/>
+                                            </p:txEl>
+                                          </p:spTgt>
+                                        </p:tgtEl>
+                                        <p:attrNameLst>
+                                          <p:attrName>style.visibility</p:attrName>
+                                        </p:attrNameLst>
+                                      </p:cBhvr>
+                                      <p:to>
+                                        <p:strVal val="visible"/>
+                                      </p:to>
+                                    </p:set>
+                                  </p:childTnLst>
+                                </p:cTn>
+                              </p:par>
+                            </p:childTnLst>
+                          </p:cTn>
+                        </p:par>
+                      </p:childTnLst>
+                    </p:cTn>
+                  </p:par>
+                  <p:par>
+                    <p:cTn id="15" fill="hold">
+                      <p:stCondLst>
+                        <p:cond delay="indefinite"/>
+                      </p:stCondLst>
+                      <p:childTnLst>
+                        <p:par>
+                          <p:cTn id="16" fill="hold">
+                            <p:stCondLst>
+                              <p:cond delay="0"/>
+                            </p:stCondLst>
+                            <p:childTnLst>
+                              <p:par>
+                                <p:cTn id="17" presetID="1" presetClass="entr" presetSubtype="0" fill="hold" grpId="0" nodeType="clickEffect">
+                                  <p:stCondLst>
+                                    <p:cond delay="0"/>
+                                  </p:stCondLst>
+                                  <p:childTnLst>
+                                    <p:set>
+                                      <p:cBhvr>
+                                        <p:cTn id="18" dur="1" fill="hold">
+                                          <p:stCondLst>
+                                            <p:cond delay="0"/>
+                                          </p:stCondLst>
+                                        </p:cTn>
+                                        <p:tgtEl>
+                                          <p:spTgt spid="3">
+                                            <p:txEl>
+                                              <p:pRg st="5" end="5"/>
+                                            </p:txEl>
+                                          </p:spTgt>
+                                        </p:tgtEl>
+                                        <p:attrNameLst>
+                                          <p:attrName>style.visibility</p:attrName>
+                                        </p:attrNameLst>
+                                      </p:cBhvr>
+                                      <p:to>
+                                        <p:strVal val="visible"/>
+                                      </p:to>
+                                    </p:set>
+                                  </p:childTnLst>
+                                </p:cTn>
+                              </p:par>
+                            </p:childTnLst>
+                          </p:cTn>
+                        </p:par>
+                      </p:childTnLst>
+                    </p:cTn>
+                  </p:par>
+                </p:childTnLst>
+              </p:cTn>
+              <p:prevCondLst>
+                <p:cond evt="onPrev" delay="0">
+                  <p:tgtEl>
+                    <p:sldTgt/>
+                  </p:tgtEl>
+                </p:cond>
+              </p:prevCondLst>
+              <p:nextCondLst>
+                <p:cond evt="onNext" delay="0">
+                  <p:tgtEl>
+                    <p:sldTgt/>
+                  </p:tgtEl>
+                </p:cond>
+              </p:nextCondLst>
+            </p:seq>
+          </p:childTnLst>
+        </p:cTn>
+      </p:par>
+    </p:tnLst>
+    <p:bldLst>
+      <p:bldP spid="3" grpId="0" build="p"/>
+    </p:bldLst>
+  </p:timing>
 </p:sld>
 </file>
 
@@ -5354,6 +7019,235 @@
   <p:clrMapOvr>
     <a:masterClrMapping/>
   </p:clrMapOvr>
+  <p:timing>
+    <p:tnLst>
+      <p:par>
+        <p:cTn id="1" dur="indefinite" restart="never" nodeType="tmRoot">
+          <p:childTnLst>
+            <p:seq concurrent="1" nextAc="seek">
+              <p:cTn id="2" dur="indefinite" nodeType="mainSeq">
+                <p:childTnLst>
+                  <p:par>
+                    <p:cTn id="3" fill="hold">
+                      <p:stCondLst>
+                        <p:cond delay="indefinite"/>
+                      </p:stCondLst>
+                      <p:childTnLst>
+                        <p:par>
+                          <p:cTn id="4" fill="hold">
+                            <p:stCondLst>
+                              <p:cond delay="0"/>
+                            </p:stCondLst>
+                            <p:childTnLst>
+                              <p:par>
+                                <p:cTn id="5" presetID="1" presetClass="entr" presetSubtype="0" fill="hold" grpId="0" nodeType="clickEffect">
+                                  <p:stCondLst>
+                                    <p:cond delay="0"/>
+                                  </p:stCondLst>
+                                  <p:childTnLst>
+                                    <p:set>
+                                      <p:cBhvr>
+                                        <p:cTn id="6" dur="1" fill="hold">
+                                          <p:stCondLst>
+                                            <p:cond delay="0"/>
+                                          </p:stCondLst>
+                                        </p:cTn>
+                                        <p:tgtEl>
+                                          <p:spTgt spid="3">
+                                            <p:txEl>
+                                              <p:pRg st="0" end="0"/>
+                                            </p:txEl>
+                                          </p:spTgt>
+                                        </p:tgtEl>
+                                        <p:attrNameLst>
+                                          <p:attrName>style.visibility</p:attrName>
+                                        </p:attrNameLst>
+                                      </p:cBhvr>
+                                      <p:to>
+                                        <p:strVal val="visible"/>
+                                      </p:to>
+                                    </p:set>
+                                  </p:childTnLst>
+                                </p:cTn>
+                              </p:par>
+                            </p:childTnLst>
+                          </p:cTn>
+                        </p:par>
+                      </p:childTnLst>
+                    </p:cTn>
+                  </p:par>
+                  <p:par>
+                    <p:cTn id="7" fill="hold">
+                      <p:stCondLst>
+                        <p:cond delay="indefinite"/>
+                      </p:stCondLst>
+                      <p:childTnLst>
+                        <p:par>
+                          <p:cTn id="8" fill="hold">
+                            <p:stCondLst>
+                              <p:cond delay="0"/>
+                            </p:stCondLst>
+                            <p:childTnLst>
+                              <p:par>
+                                <p:cTn id="9" presetID="1" presetClass="entr" presetSubtype="0" fill="hold" grpId="0" nodeType="clickEffect">
+                                  <p:stCondLst>
+                                    <p:cond delay="0"/>
+                                  </p:stCondLst>
+                                  <p:childTnLst>
+                                    <p:set>
+                                      <p:cBhvr>
+                                        <p:cTn id="10" dur="1" fill="hold">
+                                          <p:stCondLst>
+                                            <p:cond delay="0"/>
+                                          </p:stCondLst>
+                                        </p:cTn>
+                                        <p:tgtEl>
+                                          <p:spTgt spid="3">
+                                            <p:txEl>
+                                              <p:pRg st="2" end="2"/>
+                                            </p:txEl>
+                                          </p:spTgt>
+                                        </p:tgtEl>
+                                        <p:attrNameLst>
+                                          <p:attrName>style.visibility</p:attrName>
+                                        </p:attrNameLst>
+                                      </p:cBhvr>
+                                      <p:to>
+                                        <p:strVal val="visible"/>
+                                      </p:to>
+                                    </p:set>
+                                  </p:childTnLst>
+                                </p:cTn>
+                              </p:par>
+                            </p:childTnLst>
+                          </p:cTn>
+                        </p:par>
+                      </p:childTnLst>
+                    </p:cTn>
+                  </p:par>
+                  <p:par>
+                    <p:cTn id="11" fill="hold">
+                      <p:stCondLst>
+                        <p:cond delay="indefinite"/>
+                      </p:stCondLst>
+                      <p:childTnLst>
+                        <p:par>
+                          <p:cTn id="12" fill="hold">
+                            <p:stCondLst>
+                              <p:cond delay="0"/>
+                            </p:stCondLst>
+                            <p:childTnLst>
+                              <p:par>
+                                <p:cTn id="13" presetID="1" presetClass="entr" presetSubtype="0" fill="hold" grpId="0" nodeType="clickEffect">
+                                  <p:stCondLst>
+                                    <p:cond delay="0"/>
+                                  </p:stCondLst>
+                                  <p:childTnLst>
+                                    <p:set>
+                                      <p:cBhvr>
+                                        <p:cTn id="14" dur="1" fill="hold">
+                                          <p:stCondLst>
+                                            <p:cond delay="0"/>
+                                          </p:stCondLst>
+                                        </p:cTn>
+                                        <p:tgtEl>
+                                          <p:spTgt spid="3">
+                                            <p:txEl>
+                                              <p:pRg st="4" end="4"/>
+                                            </p:txEl>
+                                          </p:spTgt>
+                                        </p:tgtEl>
+                                        <p:attrNameLst>
+                                          <p:attrName>style.visibility</p:attrName>
+                                        </p:attrNameLst>
+                                      </p:cBhvr>
+                                      <p:to>
+                                        <p:strVal val="visible"/>
+                                      </p:to>
+                                    </p:set>
+                                  </p:childTnLst>
+                                </p:cTn>
+                              </p:par>
+                            </p:childTnLst>
+                          </p:cTn>
+                        </p:par>
+                      </p:childTnLst>
+                    </p:cTn>
+                  </p:par>
+                  <p:par>
+                    <p:cTn id="15" fill="hold">
+                      <p:stCondLst>
+                        <p:cond delay="indefinite"/>
+                      </p:stCondLst>
+                      <p:childTnLst>
+                        <p:par>
+                          <p:cTn id="16" fill="hold">
+                            <p:stCondLst>
+                              <p:cond delay="0"/>
+                            </p:stCondLst>
+                            <p:childTnLst>
+                              <p:par>
+                                <p:cTn id="17" presetID="1" presetClass="entr" presetSubtype="0" fill="hold" grpId="0" nodeType="clickEffect">
+                                  <p:stCondLst>
+                                    <p:cond delay="0"/>
+                                  </p:stCondLst>
+                                  <p:childTnLst>
+                                    <p:set>
+                                      <p:cBhvr>
+                                        <p:cTn id="18" dur="1" fill="hold">
+                                          <p:stCondLst>
+                                            <p:cond delay="0"/>
+                                          </p:stCondLst>
+                                        </p:cTn>
+                                        <p:tgtEl>
+                                          <p:spTgt spid="3">
+                                            <p:txEl>
+                                              <p:pRg st="6" end="6"/>
+                                            </p:txEl>
+                                          </p:spTgt>
+                                        </p:tgtEl>
+                                        <p:attrNameLst>
+                                          <p:attrName>style.visibility</p:attrName>
+                                        </p:attrNameLst>
+                                      </p:cBhvr>
+                                      <p:to>
+                                        <p:strVal val="visible"/>
+                                      </p:to>
+                                    </p:set>
+                                  </p:childTnLst>
+                                </p:cTn>
+                              </p:par>
+                            </p:childTnLst>
+                          </p:cTn>
+                        </p:par>
+                      </p:childTnLst>
+                    </p:cTn>
+                  </p:par>
+                </p:childTnLst>
+              </p:cTn>
+              <p:prevCondLst>
+                <p:cond evt="onPrev" delay="0">
+                  <p:tgtEl>
+                    <p:sldTgt/>
+                  </p:tgtEl>
+                </p:cond>
+              </p:prevCondLst>
+              <p:nextCondLst>
+                <p:cond evt="onNext" delay="0">
+                  <p:tgtEl>
+                    <p:sldTgt/>
+                  </p:tgtEl>
+                </p:cond>
+              </p:nextCondLst>
+            </p:seq>
+          </p:childTnLst>
+        </p:cTn>
+      </p:par>
+    </p:tnLst>
+    <p:bldLst>
+      <p:bldP spid="3" grpId="0" build="p"/>
+    </p:bldLst>
+  </p:timing>
 </p:sld>
 </file>
 
@@ -5490,6 +7384,186 @@
   <p:clrMapOvr>
     <a:masterClrMapping/>
   </p:clrMapOvr>
+  <p:timing>
+    <p:tnLst>
+      <p:par>
+        <p:cTn id="1" dur="indefinite" restart="never" nodeType="tmRoot">
+          <p:childTnLst>
+            <p:seq concurrent="1" nextAc="seek">
+              <p:cTn id="2" dur="indefinite" nodeType="mainSeq">
+                <p:childTnLst>
+                  <p:par>
+                    <p:cTn id="3" fill="hold">
+                      <p:stCondLst>
+                        <p:cond delay="indefinite"/>
+                      </p:stCondLst>
+                      <p:childTnLst>
+                        <p:par>
+                          <p:cTn id="4" fill="hold">
+                            <p:stCondLst>
+                              <p:cond delay="0"/>
+                            </p:stCondLst>
+                            <p:childTnLst>
+                              <p:par>
+                                <p:cTn id="5" presetID="1" presetClass="entr" presetSubtype="0" fill="hold" grpId="0" nodeType="clickEffect">
+                                  <p:stCondLst>
+                                    <p:cond delay="0"/>
+                                  </p:stCondLst>
+                                  <p:childTnLst>
+                                    <p:set>
+                                      <p:cBhvr>
+                                        <p:cTn id="6" dur="1" fill="hold">
+                                          <p:stCondLst>
+                                            <p:cond delay="0"/>
+                                          </p:stCondLst>
+                                        </p:cTn>
+                                        <p:tgtEl>
+                                          <p:spTgt spid="3">
+                                            <p:txEl>
+                                              <p:pRg st="0" end="0"/>
+                                            </p:txEl>
+                                          </p:spTgt>
+                                        </p:tgtEl>
+                                        <p:attrNameLst>
+                                          <p:attrName>style.visibility</p:attrName>
+                                        </p:attrNameLst>
+                                      </p:cBhvr>
+                                      <p:to>
+                                        <p:strVal val="visible"/>
+                                      </p:to>
+                                    </p:set>
+                                  </p:childTnLst>
+                                </p:cTn>
+                              </p:par>
+                            </p:childTnLst>
+                          </p:cTn>
+                        </p:par>
+                      </p:childTnLst>
+                    </p:cTn>
+                  </p:par>
+                  <p:par>
+                    <p:cTn id="7" fill="hold">
+                      <p:stCondLst>
+                        <p:cond delay="indefinite"/>
+                      </p:stCondLst>
+                      <p:childTnLst>
+                        <p:par>
+                          <p:cTn id="8" fill="hold">
+                            <p:stCondLst>
+                              <p:cond delay="0"/>
+                            </p:stCondLst>
+                            <p:childTnLst>
+                              <p:par>
+                                <p:cTn id="9" presetID="1" presetClass="entr" presetSubtype="0" fill="hold" grpId="0" nodeType="clickEffect">
+                                  <p:stCondLst>
+                                    <p:cond delay="0"/>
+                                  </p:stCondLst>
+                                  <p:childTnLst>
+                                    <p:set>
+                                      <p:cBhvr>
+                                        <p:cTn id="10" dur="1" fill="hold">
+                                          <p:stCondLst>
+                                            <p:cond delay="0"/>
+                                          </p:stCondLst>
+                                        </p:cTn>
+                                        <p:tgtEl>
+                                          <p:spTgt spid="3">
+                                            <p:txEl>
+                                              <p:pRg st="2" end="2"/>
+                                            </p:txEl>
+                                          </p:spTgt>
+                                        </p:tgtEl>
+                                        <p:attrNameLst>
+                                          <p:attrName>style.visibility</p:attrName>
+                                        </p:attrNameLst>
+                                      </p:cBhvr>
+                                      <p:to>
+                                        <p:strVal val="visible"/>
+                                      </p:to>
+                                    </p:set>
+                                  </p:childTnLst>
+                                </p:cTn>
+                              </p:par>
+                            </p:childTnLst>
+                          </p:cTn>
+                        </p:par>
+                      </p:childTnLst>
+                    </p:cTn>
+                  </p:par>
+                  <p:par>
+                    <p:cTn id="11" fill="hold">
+                      <p:stCondLst>
+                        <p:cond delay="indefinite"/>
+                      </p:stCondLst>
+                      <p:childTnLst>
+                        <p:par>
+                          <p:cTn id="12" fill="hold">
+                            <p:stCondLst>
+                              <p:cond delay="0"/>
+                            </p:stCondLst>
+                            <p:childTnLst>
+                              <p:par>
+                                <p:cTn id="13" presetID="1" presetClass="entr" presetSubtype="0" fill="hold" grpId="0" nodeType="clickEffect">
+                                  <p:stCondLst>
+                                    <p:cond delay="0"/>
+                                  </p:stCondLst>
+                                  <p:childTnLst>
+                                    <p:set>
+                                      <p:cBhvr>
+                                        <p:cTn id="14" dur="1" fill="hold">
+                                          <p:stCondLst>
+                                            <p:cond delay="0"/>
+                                          </p:stCondLst>
+                                        </p:cTn>
+                                        <p:tgtEl>
+                                          <p:spTgt spid="3">
+                                            <p:txEl>
+                                              <p:pRg st="4" end="4"/>
+                                            </p:txEl>
+                                          </p:spTgt>
+                                        </p:tgtEl>
+                                        <p:attrNameLst>
+                                          <p:attrName>style.visibility</p:attrName>
+                                        </p:attrNameLst>
+                                      </p:cBhvr>
+                                      <p:to>
+                                        <p:strVal val="visible"/>
+                                      </p:to>
+                                    </p:set>
+                                  </p:childTnLst>
+                                </p:cTn>
+                              </p:par>
+                            </p:childTnLst>
+                          </p:cTn>
+                        </p:par>
+                      </p:childTnLst>
+                    </p:cTn>
+                  </p:par>
+                </p:childTnLst>
+              </p:cTn>
+              <p:prevCondLst>
+                <p:cond evt="onPrev" delay="0">
+                  <p:tgtEl>
+                    <p:sldTgt/>
+                  </p:tgtEl>
+                </p:cond>
+              </p:prevCondLst>
+              <p:nextCondLst>
+                <p:cond evt="onNext" delay="0">
+                  <p:tgtEl>
+                    <p:sldTgt/>
+                  </p:tgtEl>
+                </p:cond>
+              </p:nextCondLst>
+            </p:seq>
+          </p:childTnLst>
+        </p:cTn>
+      </p:par>
+    </p:tnLst>
+    <p:bldLst>
+      <p:bldP spid="3" grpId="0" build="p"/>
+    </p:bldLst>
+  </p:timing>
 </p:sld>
 </file>
 
@@ -5635,6 +7709,235 @@
   <p:clrMapOvr>
     <a:masterClrMapping/>
   </p:clrMapOvr>
+  <p:timing>
+    <p:tnLst>
+      <p:par>
+        <p:cTn id="1" dur="indefinite" restart="never" nodeType="tmRoot">
+          <p:childTnLst>
+            <p:seq concurrent="1" nextAc="seek">
+              <p:cTn id="2" dur="indefinite" nodeType="mainSeq">
+                <p:childTnLst>
+                  <p:par>
+                    <p:cTn id="3" fill="hold">
+                      <p:stCondLst>
+                        <p:cond delay="indefinite"/>
+                      </p:stCondLst>
+                      <p:childTnLst>
+                        <p:par>
+                          <p:cTn id="4" fill="hold">
+                            <p:stCondLst>
+                              <p:cond delay="0"/>
+                            </p:stCondLst>
+                            <p:childTnLst>
+                              <p:par>
+                                <p:cTn id="5" presetID="1" presetClass="entr" presetSubtype="0" fill="hold" grpId="0" nodeType="clickEffect">
+                                  <p:stCondLst>
+                                    <p:cond delay="0"/>
+                                  </p:stCondLst>
+                                  <p:childTnLst>
+                                    <p:set>
+                                      <p:cBhvr>
+                                        <p:cTn id="6" dur="1" fill="hold">
+                                          <p:stCondLst>
+                                            <p:cond delay="0"/>
+                                          </p:stCondLst>
+                                        </p:cTn>
+                                        <p:tgtEl>
+                                          <p:spTgt spid="3">
+                                            <p:txEl>
+                                              <p:pRg st="0" end="0"/>
+                                            </p:txEl>
+                                          </p:spTgt>
+                                        </p:tgtEl>
+                                        <p:attrNameLst>
+                                          <p:attrName>style.visibility</p:attrName>
+                                        </p:attrNameLst>
+                                      </p:cBhvr>
+                                      <p:to>
+                                        <p:strVal val="visible"/>
+                                      </p:to>
+                                    </p:set>
+                                  </p:childTnLst>
+                                </p:cTn>
+                              </p:par>
+                            </p:childTnLst>
+                          </p:cTn>
+                        </p:par>
+                      </p:childTnLst>
+                    </p:cTn>
+                  </p:par>
+                  <p:par>
+                    <p:cTn id="7" fill="hold">
+                      <p:stCondLst>
+                        <p:cond delay="indefinite"/>
+                      </p:stCondLst>
+                      <p:childTnLst>
+                        <p:par>
+                          <p:cTn id="8" fill="hold">
+                            <p:stCondLst>
+                              <p:cond delay="0"/>
+                            </p:stCondLst>
+                            <p:childTnLst>
+                              <p:par>
+                                <p:cTn id="9" presetID="1" presetClass="entr" presetSubtype="0" fill="hold" grpId="0" nodeType="clickEffect">
+                                  <p:stCondLst>
+                                    <p:cond delay="0"/>
+                                  </p:stCondLst>
+                                  <p:childTnLst>
+                                    <p:set>
+                                      <p:cBhvr>
+                                        <p:cTn id="10" dur="1" fill="hold">
+                                          <p:stCondLst>
+                                            <p:cond delay="0"/>
+                                          </p:stCondLst>
+                                        </p:cTn>
+                                        <p:tgtEl>
+                                          <p:spTgt spid="3">
+                                            <p:txEl>
+                                              <p:pRg st="2" end="2"/>
+                                            </p:txEl>
+                                          </p:spTgt>
+                                        </p:tgtEl>
+                                        <p:attrNameLst>
+                                          <p:attrName>style.visibility</p:attrName>
+                                        </p:attrNameLst>
+                                      </p:cBhvr>
+                                      <p:to>
+                                        <p:strVal val="visible"/>
+                                      </p:to>
+                                    </p:set>
+                                  </p:childTnLst>
+                                </p:cTn>
+                              </p:par>
+                            </p:childTnLst>
+                          </p:cTn>
+                        </p:par>
+                      </p:childTnLst>
+                    </p:cTn>
+                  </p:par>
+                  <p:par>
+                    <p:cTn id="11" fill="hold">
+                      <p:stCondLst>
+                        <p:cond delay="indefinite"/>
+                      </p:stCondLst>
+                      <p:childTnLst>
+                        <p:par>
+                          <p:cTn id="12" fill="hold">
+                            <p:stCondLst>
+                              <p:cond delay="0"/>
+                            </p:stCondLst>
+                            <p:childTnLst>
+                              <p:par>
+                                <p:cTn id="13" presetID="1" presetClass="entr" presetSubtype="0" fill="hold" grpId="0" nodeType="clickEffect">
+                                  <p:stCondLst>
+                                    <p:cond delay="0"/>
+                                  </p:stCondLst>
+                                  <p:childTnLst>
+                                    <p:set>
+                                      <p:cBhvr>
+                                        <p:cTn id="14" dur="1" fill="hold">
+                                          <p:stCondLst>
+                                            <p:cond delay="0"/>
+                                          </p:stCondLst>
+                                        </p:cTn>
+                                        <p:tgtEl>
+                                          <p:spTgt spid="3">
+                                            <p:txEl>
+                                              <p:pRg st="4" end="4"/>
+                                            </p:txEl>
+                                          </p:spTgt>
+                                        </p:tgtEl>
+                                        <p:attrNameLst>
+                                          <p:attrName>style.visibility</p:attrName>
+                                        </p:attrNameLst>
+                                      </p:cBhvr>
+                                      <p:to>
+                                        <p:strVal val="visible"/>
+                                      </p:to>
+                                    </p:set>
+                                  </p:childTnLst>
+                                </p:cTn>
+                              </p:par>
+                            </p:childTnLst>
+                          </p:cTn>
+                        </p:par>
+                      </p:childTnLst>
+                    </p:cTn>
+                  </p:par>
+                  <p:par>
+                    <p:cTn id="15" fill="hold">
+                      <p:stCondLst>
+                        <p:cond delay="indefinite"/>
+                      </p:stCondLst>
+                      <p:childTnLst>
+                        <p:par>
+                          <p:cTn id="16" fill="hold">
+                            <p:stCondLst>
+                              <p:cond delay="0"/>
+                            </p:stCondLst>
+                            <p:childTnLst>
+                              <p:par>
+                                <p:cTn id="17" presetID="1" presetClass="entr" presetSubtype="0" fill="hold" grpId="0" nodeType="clickEffect">
+                                  <p:stCondLst>
+                                    <p:cond delay="0"/>
+                                  </p:stCondLst>
+                                  <p:childTnLst>
+                                    <p:set>
+                                      <p:cBhvr>
+                                        <p:cTn id="18" dur="1" fill="hold">
+                                          <p:stCondLst>
+                                            <p:cond delay="0"/>
+                                          </p:stCondLst>
+                                        </p:cTn>
+                                        <p:tgtEl>
+                                          <p:spTgt spid="3">
+                                            <p:txEl>
+                                              <p:pRg st="6" end="6"/>
+                                            </p:txEl>
+                                          </p:spTgt>
+                                        </p:tgtEl>
+                                        <p:attrNameLst>
+                                          <p:attrName>style.visibility</p:attrName>
+                                        </p:attrNameLst>
+                                      </p:cBhvr>
+                                      <p:to>
+                                        <p:strVal val="visible"/>
+                                      </p:to>
+                                    </p:set>
+                                  </p:childTnLst>
+                                </p:cTn>
+                              </p:par>
+                            </p:childTnLst>
+                          </p:cTn>
+                        </p:par>
+                      </p:childTnLst>
+                    </p:cTn>
+                  </p:par>
+                </p:childTnLst>
+              </p:cTn>
+              <p:prevCondLst>
+                <p:cond evt="onPrev" delay="0">
+                  <p:tgtEl>
+                    <p:sldTgt/>
+                  </p:tgtEl>
+                </p:cond>
+              </p:prevCondLst>
+              <p:nextCondLst>
+                <p:cond evt="onNext" delay="0">
+                  <p:tgtEl>
+                    <p:sldTgt/>
+                  </p:tgtEl>
+                </p:cond>
+              </p:nextCondLst>
+            </p:seq>
+          </p:childTnLst>
+        </p:cTn>
+      </p:par>
+    </p:tnLst>
+    <p:bldLst>
+      <p:bldP spid="3" grpId="0" build="p"/>
+    </p:bldLst>
+  </p:timing>
 </p:sld>
 </file>
 
@@ -5810,6 +8113,284 @@
   <p:clrMapOvr>
     <a:masterClrMapping/>
   </p:clrMapOvr>
+  <p:timing>
+    <p:tnLst>
+      <p:par>
+        <p:cTn id="1" dur="indefinite" restart="never" nodeType="tmRoot">
+          <p:childTnLst>
+            <p:seq concurrent="1" nextAc="seek">
+              <p:cTn id="2" dur="indefinite" nodeType="mainSeq">
+                <p:childTnLst>
+                  <p:par>
+                    <p:cTn id="3" fill="hold">
+                      <p:stCondLst>
+                        <p:cond delay="indefinite"/>
+                      </p:stCondLst>
+                      <p:childTnLst>
+                        <p:par>
+                          <p:cTn id="4" fill="hold">
+                            <p:stCondLst>
+                              <p:cond delay="0"/>
+                            </p:stCondLst>
+                            <p:childTnLst>
+                              <p:par>
+                                <p:cTn id="5" presetID="1" presetClass="entr" presetSubtype="0" fill="hold" grpId="0" nodeType="clickEffect">
+                                  <p:stCondLst>
+                                    <p:cond delay="0"/>
+                                  </p:stCondLst>
+                                  <p:childTnLst>
+                                    <p:set>
+                                      <p:cBhvr>
+                                        <p:cTn id="6" dur="1" fill="hold">
+                                          <p:stCondLst>
+                                            <p:cond delay="0"/>
+                                          </p:stCondLst>
+                                        </p:cTn>
+                                        <p:tgtEl>
+                                          <p:spTgt spid="3">
+                                            <p:txEl>
+                                              <p:pRg st="0" end="0"/>
+                                            </p:txEl>
+                                          </p:spTgt>
+                                        </p:tgtEl>
+                                        <p:attrNameLst>
+                                          <p:attrName>style.visibility</p:attrName>
+                                        </p:attrNameLst>
+                                      </p:cBhvr>
+                                      <p:to>
+                                        <p:strVal val="visible"/>
+                                      </p:to>
+                                    </p:set>
+                                  </p:childTnLst>
+                                </p:cTn>
+                              </p:par>
+                            </p:childTnLst>
+                          </p:cTn>
+                        </p:par>
+                      </p:childTnLst>
+                    </p:cTn>
+                  </p:par>
+                  <p:par>
+                    <p:cTn id="7" fill="hold">
+                      <p:stCondLst>
+                        <p:cond delay="indefinite"/>
+                      </p:stCondLst>
+                      <p:childTnLst>
+                        <p:par>
+                          <p:cTn id="8" fill="hold">
+                            <p:stCondLst>
+                              <p:cond delay="0"/>
+                            </p:stCondLst>
+                            <p:childTnLst>
+                              <p:par>
+                                <p:cTn id="9" presetID="1" presetClass="entr" presetSubtype="0" fill="hold" grpId="0" nodeType="clickEffect">
+                                  <p:stCondLst>
+                                    <p:cond delay="0"/>
+                                  </p:stCondLst>
+                                  <p:childTnLst>
+                                    <p:set>
+                                      <p:cBhvr>
+                                        <p:cTn id="10" dur="1" fill="hold">
+                                          <p:stCondLst>
+                                            <p:cond delay="0"/>
+                                          </p:stCondLst>
+                                        </p:cTn>
+                                        <p:tgtEl>
+                                          <p:spTgt spid="3">
+                                            <p:txEl>
+                                              <p:pRg st="2" end="2"/>
+                                            </p:txEl>
+                                          </p:spTgt>
+                                        </p:tgtEl>
+                                        <p:attrNameLst>
+                                          <p:attrName>style.visibility</p:attrName>
+                                        </p:attrNameLst>
+                                      </p:cBhvr>
+                                      <p:to>
+                                        <p:strVal val="visible"/>
+                                      </p:to>
+                                    </p:set>
+                                  </p:childTnLst>
+                                </p:cTn>
+                              </p:par>
+                            </p:childTnLst>
+                          </p:cTn>
+                        </p:par>
+                      </p:childTnLst>
+                    </p:cTn>
+                  </p:par>
+                  <p:par>
+                    <p:cTn id="11" fill="hold">
+                      <p:stCondLst>
+                        <p:cond delay="indefinite"/>
+                      </p:stCondLst>
+                      <p:childTnLst>
+                        <p:par>
+                          <p:cTn id="12" fill="hold">
+                            <p:stCondLst>
+                              <p:cond delay="0"/>
+                            </p:stCondLst>
+                            <p:childTnLst>
+                              <p:par>
+                                <p:cTn id="13" presetID="1" presetClass="entr" presetSubtype="0" fill="hold" grpId="0" nodeType="clickEffect">
+                                  <p:stCondLst>
+                                    <p:cond delay="0"/>
+                                  </p:stCondLst>
+                                  <p:childTnLst>
+                                    <p:set>
+                                      <p:cBhvr>
+                                        <p:cTn id="14" dur="1" fill="hold">
+                                          <p:stCondLst>
+                                            <p:cond delay="0"/>
+                                          </p:stCondLst>
+                                        </p:cTn>
+                                        <p:tgtEl>
+                                          <p:spTgt spid="3">
+                                            <p:txEl>
+                                              <p:pRg st="4" end="4"/>
+                                            </p:txEl>
+                                          </p:spTgt>
+                                        </p:tgtEl>
+                                        <p:attrNameLst>
+                                          <p:attrName>style.visibility</p:attrName>
+                                        </p:attrNameLst>
+                                      </p:cBhvr>
+                                      <p:to>
+                                        <p:strVal val="visible"/>
+                                      </p:to>
+                                    </p:set>
+                                  </p:childTnLst>
+                                </p:cTn>
+                              </p:par>
+                            </p:childTnLst>
+                          </p:cTn>
+                        </p:par>
+                      </p:childTnLst>
+                    </p:cTn>
+                  </p:par>
+                  <p:par>
+                    <p:cTn id="15" fill="hold">
+                      <p:stCondLst>
+                        <p:cond delay="indefinite"/>
+                      </p:stCondLst>
+                      <p:childTnLst>
+                        <p:par>
+                          <p:cTn id="16" fill="hold">
+                            <p:stCondLst>
+                              <p:cond delay="0"/>
+                            </p:stCondLst>
+                            <p:childTnLst>
+                              <p:par>
+                                <p:cTn id="17" presetID="1" presetClass="entr" presetSubtype="0" fill="hold" grpId="0" nodeType="clickEffect">
+                                  <p:stCondLst>
+                                    <p:cond delay="0"/>
+                                  </p:stCondLst>
+                                  <p:childTnLst>
+                                    <p:set>
+                                      <p:cBhvr>
+                                        <p:cTn id="18" dur="1" fill="hold">
+                                          <p:stCondLst>
+                                            <p:cond delay="0"/>
+                                          </p:stCondLst>
+                                        </p:cTn>
+                                        <p:tgtEl>
+                                          <p:spTgt spid="3">
+                                            <p:txEl>
+                                              <p:pRg st="5" end="5"/>
+                                            </p:txEl>
+                                          </p:spTgt>
+                                        </p:tgtEl>
+                                        <p:attrNameLst>
+                                          <p:attrName>style.visibility</p:attrName>
+                                        </p:attrNameLst>
+                                      </p:cBhvr>
+                                      <p:to>
+                                        <p:strVal val="visible"/>
+                                      </p:to>
+                                    </p:set>
+                                  </p:childTnLst>
+                                </p:cTn>
+                              </p:par>
+                            </p:childTnLst>
+                          </p:cTn>
+                        </p:par>
+                      </p:childTnLst>
+                    </p:cTn>
+                  </p:par>
+                  <p:par>
+                    <p:cTn id="19" fill="hold">
+                      <p:stCondLst>
+                        <p:cond delay="indefinite"/>
+                      </p:stCondLst>
+                      <p:childTnLst>
+                        <p:par>
+                          <p:cTn id="20" fill="hold">
+                            <p:stCondLst>
+                              <p:cond delay="0"/>
+                            </p:stCondLst>
+                            <p:childTnLst>
+                              <p:par>
+                                <p:cTn id="21" presetID="1" presetClass="entr" presetSubtype="0" fill="hold" grpId="0" nodeType="clickEffect">
+                                  <p:stCondLst>
+                                    <p:cond delay="0"/>
+                                  </p:stCondLst>
+                                  <p:childTnLst>
+                                    <p:set>
+                                      <p:cBhvr>
+                                        <p:cTn id="22" dur="1" fill="hold">
+                                          <p:stCondLst>
+                                            <p:cond delay="0"/>
+                                          </p:stCondLst>
+                                        </p:cTn>
+                                        <p:tgtEl>
+                                          <p:spTgt spid="3">
+                                            <p:txEl>
+                                              <p:pRg st="7" end="7"/>
+                                            </p:txEl>
+                                          </p:spTgt>
+                                        </p:tgtEl>
+                                        <p:attrNameLst>
+                                          <p:attrName>style.visibility</p:attrName>
+                                        </p:attrNameLst>
+                                      </p:cBhvr>
+                                      <p:to>
+                                        <p:strVal val="visible"/>
+                                      </p:to>
+                                    </p:set>
+                                  </p:childTnLst>
+                                </p:cTn>
+                              </p:par>
+                            </p:childTnLst>
+                          </p:cTn>
+                        </p:par>
+                      </p:childTnLst>
+                    </p:cTn>
+                  </p:par>
+                </p:childTnLst>
+              </p:cTn>
+              <p:prevCondLst>
+                <p:cond evt="onPrev" delay="0">
+                  <p:tgtEl>
+                    <p:sldTgt/>
+                  </p:tgtEl>
+                </p:cond>
+              </p:prevCondLst>
+              <p:nextCondLst>
+                <p:cond evt="onNext" delay="0">
+                  <p:tgtEl>
+                    <p:sldTgt/>
+                  </p:tgtEl>
+                </p:cond>
+              </p:nextCondLst>
+            </p:seq>
+          </p:childTnLst>
+        </p:cTn>
+      </p:par>
+    </p:tnLst>
+    <p:bldLst>
+      <p:bldP spid="3" grpId="0" build="p"/>
+    </p:bldLst>
+  </p:timing>
 </p:sld>
 </file>
 
